--- a/OuterData/presentation.pptx
+++ b/OuterData/presentation.pptx
@@ -18,6 +18,8 @@
     <p:sldId id="266" r:id="rId12"/>
     <p:sldId id="267" r:id="rId13"/>
     <p:sldId id="268" r:id="rId14"/>
+    <p:sldId id="269" r:id="rId15"/>
+    <p:sldId id="270" r:id="rId16"/>
   </p:sldIdLst>
   <p:sldSz cx="12192000" cy="6858000"/>
   <p:notesSz cx="6858000" cy="9144000"/>
@@ -134,6 +136,8 @@
             <p14:sldId id="266"/>
             <p14:sldId id="267"/>
             <p14:sldId id="268"/>
+            <p14:sldId id="269"/>
+            <p14:sldId id="270"/>
           </p14:sldIdLst>
         </p14:section>
       </p14:sectionLst>
@@ -3646,11 +3650,17 @@
           <p:cNvGraphicFramePr>
             <a:graphicFrameLocks noGrp="1"/>
           </p:cNvGraphicFramePr>
-          <p:nvPr/>
+          <p:nvPr>
+            <p:extLst>
+              <p:ext uri="{D42A27DB-BD31-4B8C-83A1-F6EECF244321}">
+                <p14:modId xmlns:p14="http://schemas.microsoft.com/office/powerpoint/2010/main" val="2035793655"/>
+              </p:ext>
+            </p:extLst>
+          </p:nvPr>
         </p:nvGraphicFramePr>
         <p:xfrm>
-          <a:off x="292894" y="1047751"/>
-          <a:ext cx="11606211" cy="4894283"/>
+          <a:off x="292894" y="1047753"/>
+          <a:ext cx="11606211" cy="2596424"/>
         </p:xfrm>
         <a:graphic>
           <a:graphicData uri="http://schemas.openxmlformats.org/drawingml/2006/table">
@@ -3674,7 +3684,7 @@
                   </a:extLst>
                 </a:gridCol>
               </a:tblGrid>
-              <a:tr h="790574">
+              <a:tr h="489636">
                 <a:tc>
                   <a:txBody>
                     <a:bodyPr/>
@@ -3741,7 +3751,1461 @@
                   </a:ext>
                 </a:extLst>
               </a:tr>
-              <a:tr h="4103709">
+              <a:tr h="2047784">
+                <a:tc>
+                  <a:txBody>
+                    <a:bodyPr/>
+                    <a:lstStyle/>
+                    <a:p>
+                      <a:pPr algn="l">
+                        <a:lnSpc>
+                          <a:spcPct val="100000"/>
+                        </a:lnSpc>
+                      </a:pPr>
+                      <a:r>
+                        <a:rPr lang="ru-RU" sz="3600" b="0" dirty="0">
+                          <a:solidFill>
+                            <a:schemeClr val="bg1"/>
+                          </a:solidFill>
+                          <a:effectLst/>
+                          <a:latin typeface="Times New Roman" panose="02020603050405020304" pitchFamily="18" charset="0"/>
+                          <a:cs typeface="Times New Roman" panose="02020603050405020304" pitchFamily="18" charset="0"/>
+                        </a:rPr>
+                        <a:t>Оформление возврата товара клиентом</a:t>
+                      </a:r>
+                      <a:endParaRPr lang="ru-RU" sz="3600" b="0" dirty="0">
+                        <a:solidFill>
+                          <a:schemeClr val="bg1"/>
+                        </a:solidFill>
+                        <a:effectLst/>
+                        <a:latin typeface="Times New Roman" panose="02020603050405020304" pitchFamily="18" charset="0"/>
+                        <a:ea typeface="Calibri" panose="020F0502020204030204" pitchFamily="34" charset="0"/>
+                        <a:cs typeface="Times New Roman" panose="02020603050405020304" pitchFamily="18" charset="0"/>
+                      </a:endParaRPr>
+                    </a:p>
+                  </a:txBody>
+                  <a:tcPr marL="54720" marR="54720" marT="0" marB="0">
+                    <a:solidFill>
+                      <a:srgbClr val="197BC5"/>
+                    </a:solidFill>
+                  </a:tcPr>
+                </a:tc>
+                <a:tc>
+                  <a:txBody>
+                    <a:bodyPr/>
+                    <a:lstStyle/>
+                    <a:p>
+                      <a:pPr algn="l">
+                        <a:lnSpc>
+                          <a:spcPct val="100000"/>
+                        </a:lnSpc>
+                      </a:pPr>
+                      <a:r>
+                        <a:rPr lang="ru-RU" sz="3600" b="0" dirty="0">
+                          <a:solidFill>
+                            <a:schemeClr val="bg1"/>
+                          </a:solidFill>
+                          <a:effectLst/>
+                          <a:latin typeface="Times New Roman" panose="02020603050405020304" pitchFamily="18" charset="0"/>
+                          <a:cs typeface="Times New Roman" panose="02020603050405020304" pitchFamily="18" charset="0"/>
+                        </a:rPr>
+                        <a:t>У продавца есть меню возврата товара, где можно найти продажу, по которой клиент желает осуществить возврат.</a:t>
+                      </a:r>
+                      <a:endParaRPr lang="ru-RU" sz="3600" b="0" dirty="0">
+                        <a:solidFill>
+                          <a:schemeClr val="bg1"/>
+                        </a:solidFill>
+                        <a:effectLst/>
+                        <a:latin typeface="Times New Roman" panose="02020603050405020304" pitchFamily="18" charset="0"/>
+                        <a:ea typeface="Calibri" panose="020F0502020204030204" pitchFamily="34" charset="0"/>
+                        <a:cs typeface="Times New Roman" panose="02020603050405020304" pitchFamily="18" charset="0"/>
+                      </a:endParaRPr>
+                    </a:p>
+                  </a:txBody>
+                  <a:tcPr marL="54720" marR="54720" marT="0" marB="0">
+                    <a:solidFill>
+                      <a:srgbClr val="197BC5"/>
+                    </a:solidFill>
+                  </a:tcPr>
+                </a:tc>
+                <a:extLst>
+                  <a:ext uri="{0D108BD9-81ED-4DB2-BD59-A6C34878D82A}">
+                    <a16:rowId xmlns:a16="http://schemas.microsoft.com/office/drawing/2014/main" val="409142005"/>
+                  </a:ext>
+                </a:extLst>
+              </a:tr>
+            </a:tbl>
+          </a:graphicData>
+        </a:graphic>
+      </p:graphicFrame>
+    </p:spTree>
+    <p:extLst>
+      <p:ext uri="{BB962C8B-B14F-4D97-AF65-F5344CB8AC3E}">
+        <p14:creationId xmlns:p14="http://schemas.microsoft.com/office/powerpoint/2010/main" val="2775965"/>
+      </p:ext>
+    </p:extLst>
+  </p:cSld>
+  <p:clrMapOvr>
+    <a:masterClrMapping/>
+  </p:clrMapOvr>
+</p:sld>
+</file>
+
+<file path=ppt/slides/slide11.xml><?xml version="1.0" encoding="utf-8"?>
+<p:sld xmlns:a="http://schemas.openxmlformats.org/drawingml/2006/main" xmlns:r="http://schemas.openxmlformats.org/officeDocument/2006/relationships" xmlns:p="http://schemas.openxmlformats.org/presentationml/2006/main">
+  <p:cSld>
+    <p:bg>
+      <p:bgPr>
+        <a:solidFill>
+          <a:srgbClr val="197BC5"/>
+        </a:solidFill>
+        <a:effectLst/>
+      </p:bgPr>
+    </p:bg>
+    <p:spTree>
+      <p:nvGrpSpPr>
+        <p:cNvPr id="1" name="">
+          <a:extLst>
+            <a:ext uri="{FF2B5EF4-FFF2-40B4-BE49-F238E27FC236}">
+              <a16:creationId xmlns:a16="http://schemas.microsoft.com/office/drawing/2014/main" id="{CBFD4617-5E19-0697-FCF9-37CA62D8E966}"/>
+            </a:ext>
+          </a:extLst>
+        </p:cNvPr>
+        <p:cNvGrpSpPr/>
+        <p:nvPr/>
+      </p:nvGrpSpPr>
+      <p:grpSpPr>
+        <a:xfrm>
+          <a:off x="0" y="0"/>
+          <a:ext cx="0" cy="0"/>
+          <a:chOff x="0" y="0"/>
+          <a:chExt cx="0" cy="0"/>
+        </a:xfrm>
+      </p:grpSpPr>
+      <p:sp>
+        <p:nvSpPr>
+          <p:cNvPr id="2" name="Заголовок 1">
+            <a:extLst>
+              <a:ext uri="{FF2B5EF4-FFF2-40B4-BE49-F238E27FC236}">
+                <a16:creationId xmlns:a16="http://schemas.microsoft.com/office/drawing/2014/main" id="{5ED7F67B-0400-32EF-8F32-8543DEC18CF4}"/>
+              </a:ext>
+            </a:extLst>
+          </p:cNvPr>
+          <p:cNvSpPr>
+            <a:spLocks noGrp="1"/>
+          </p:cNvSpPr>
+          <p:nvPr>
+            <p:ph type="ctrTitle"/>
+          </p:nvPr>
+        </p:nvSpPr>
+        <p:spPr>
+          <a:xfrm>
+            <a:off x="504824" y="12723"/>
+            <a:ext cx="11182349" cy="790574"/>
+          </a:xfrm>
+        </p:spPr>
+        <p:txBody>
+          <a:bodyPr>
+            <a:normAutofit/>
+          </a:bodyPr>
+          <a:lstStyle/>
+          <a:p>
+            <a:r>
+              <a:rPr lang="ru-RU" sz="3600" dirty="0">
+                <a:solidFill>
+                  <a:schemeClr val="bg1"/>
+                </a:solidFill>
+                <a:latin typeface="Times New Roman" panose="02020603050405020304" pitchFamily="18" charset="0"/>
+                <a:cs typeface="Times New Roman" panose="02020603050405020304" pitchFamily="18" charset="0"/>
+              </a:rPr>
+              <a:t>Функция 10</a:t>
+            </a:r>
+          </a:p>
+        </p:txBody>
+      </p:sp>
+      <p:graphicFrame>
+        <p:nvGraphicFramePr>
+          <p:cNvPr id="4" name="Таблица 3">
+            <a:extLst>
+              <a:ext uri="{FF2B5EF4-FFF2-40B4-BE49-F238E27FC236}">
+                <a16:creationId xmlns:a16="http://schemas.microsoft.com/office/drawing/2014/main" id="{E0D3A38E-2A77-8636-6C5A-E1096F9DC3C1}"/>
+              </a:ext>
+            </a:extLst>
+          </p:cNvPr>
+          <p:cNvGraphicFramePr>
+            <a:graphicFrameLocks noGrp="1"/>
+          </p:cNvGraphicFramePr>
+          <p:nvPr>
+            <p:extLst>
+              <p:ext uri="{D42A27DB-BD31-4B8C-83A1-F6EECF244321}">
+                <p14:modId xmlns:p14="http://schemas.microsoft.com/office/powerpoint/2010/main" val="4275839648"/>
+              </p:ext>
+            </p:extLst>
+          </p:nvPr>
+        </p:nvGraphicFramePr>
+        <p:xfrm>
+          <a:off x="292894" y="1047752"/>
+          <a:ext cx="11606211" cy="3177201"/>
+        </p:xfrm>
+        <a:graphic>
+          <a:graphicData uri="http://schemas.openxmlformats.org/drawingml/2006/table">
+            <a:tbl>
+              <a:tblPr firstRow="1" firstCol="1" bandRow="1">
+                <a:tableStyleId>{5C22544A-7EE6-4342-B048-85BDC9FD1C3A}</a:tableStyleId>
+              </a:tblPr>
+              <a:tblGrid>
+                <a:gridCol w="3605212">
+                  <a:extLst>
+                    <a:ext uri="{9D8B030D-6E8A-4147-A177-3AD203B41FA5}">
+                      <a16:colId xmlns:a16="http://schemas.microsoft.com/office/drawing/2014/main" val="1852623876"/>
+                    </a:ext>
+                  </a:extLst>
+                </a:gridCol>
+                <a:gridCol w="8000999">
+                  <a:extLst>
+                    <a:ext uri="{9D8B030D-6E8A-4147-A177-3AD203B41FA5}">
+                      <a16:colId xmlns:a16="http://schemas.microsoft.com/office/drawing/2014/main" val="4047776616"/>
+                    </a:ext>
+                  </a:extLst>
+                </a:gridCol>
+              </a:tblGrid>
+              <a:tr h="506389">
+                <a:tc>
+                  <a:txBody>
+                    <a:bodyPr/>
+                    <a:lstStyle/>
+                    <a:p>
+                      <a:pPr algn="l">
+                        <a:lnSpc>
+                          <a:spcPct val="100000"/>
+                        </a:lnSpc>
+                      </a:pPr>
+                      <a:r>
+                        <a:rPr lang="ru-RU" sz="3600" b="0" dirty="0">
+                          <a:solidFill>
+                            <a:schemeClr val="bg1"/>
+                          </a:solidFill>
+                          <a:effectLst/>
+                          <a:latin typeface="Times New Roman" panose="02020603050405020304" pitchFamily="18" charset="0"/>
+                          <a:ea typeface="Calibri" panose="020F0502020204030204" pitchFamily="34" charset="0"/>
+                          <a:cs typeface="Times New Roman" panose="02020603050405020304" pitchFamily="18" charset="0"/>
+                        </a:rPr>
+                        <a:t>Название</a:t>
+                      </a:r>
+                    </a:p>
+                  </a:txBody>
+                  <a:tcPr marL="54720" marR="54720" marT="0" marB="0">
+                    <a:solidFill>
+                      <a:srgbClr val="197BC5"/>
+                    </a:solidFill>
+                  </a:tcPr>
+                </a:tc>
+                <a:tc>
+                  <a:txBody>
+                    <a:bodyPr/>
+                    <a:lstStyle/>
+                    <a:p>
+                      <a:pPr algn="l">
+                        <a:lnSpc>
+                          <a:spcPct val="100000"/>
+                        </a:lnSpc>
+                      </a:pPr>
+                      <a:r>
+                        <a:rPr lang="ru-RU" sz="3600" b="0" dirty="0">
+                          <a:solidFill>
+                            <a:schemeClr val="bg1"/>
+                          </a:solidFill>
+                          <a:effectLst/>
+                          <a:latin typeface="Times New Roman" panose="02020603050405020304" pitchFamily="18" charset="0"/>
+                          <a:ea typeface="Calibri" panose="020F0502020204030204" pitchFamily="34" charset="0"/>
+                          <a:cs typeface="Times New Roman" panose="02020603050405020304" pitchFamily="18" charset="0"/>
+                        </a:rPr>
+                        <a:t>Описание</a:t>
+                      </a:r>
+                    </a:p>
+                  </a:txBody>
+                  <a:tcPr marL="54720" marR="54720" marT="0" marB="0">
+                    <a:solidFill>
+                      <a:srgbClr val="197BC5"/>
+                    </a:solidFill>
+                  </a:tcPr>
+                </a:tc>
+                <a:extLst>
+                  <a:ext uri="{0D108BD9-81ED-4DB2-BD59-A6C34878D82A}">
+                    <a16:rowId xmlns:a16="http://schemas.microsoft.com/office/drawing/2014/main" val="1309979292"/>
+                  </a:ext>
+                </a:extLst>
+              </a:tr>
+              <a:tr h="2628561">
+                <a:tc>
+                  <a:txBody>
+                    <a:bodyPr/>
+                    <a:lstStyle/>
+                    <a:p>
+                      <a:pPr algn="l">
+                        <a:lnSpc>
+                          <a:spcPct val="100000"/>
+                        </a:lnSpc>
+                      </a:pPr>
+                      <a:r>
+                        <a:rPr lang="ru-RU" sz="3600" b="0" dirty="0">
+                          <a:solidFill>
+                            <a:schemeClr val="bg1"/>
+                          </a:solidFill>
+                          <a:effectLst/>
+                          <a:latin typeface="Times New Roman" panose="02020603050405020304" pitchFamily="18" charset="0"/>
+                          <a:cs typeface="Times New Roman" panose="02020603050405020304" pitchFamily="18" charset="0"/>
+                        </a:rPr>
+                        <a:t>Отображение отчетности с настроенными параметрами</a:t>
+                      </a:r>
+                      <a:endParaRPr lang="ru-RU" sz="3600" b="0" dirty="0">
+                        <a:solidFill>
+                          <a:schemeClr val="bg1"/>
+                        </a:solidFill>
+                        <a:effectLst/>
+                        <a:latin typeface="Times New Roman" panose="02020603050405020304" pitchFamily="18" charset="0"/>
+                        <a:ea typeface="Calibri" panose="020F0502020204030204" pitchFamily="34" charset="0"/>
+                        <a:cs typeface="Times New Roman" panose="02020603050405020304" pitchFamily="18" charset="0"/>
+                      </a:endParaRPr>
+                    </a:p>
+                  </a:txBody>
+                  <a:tcPr marL="54720" marR="54720" marT="0" marB="0">
+                    <a:solidFill>
+                      <a:srgbClr val="197BC5"/>
+                    </a:solidFill>
+                  </a:tcPr>
+                </a:tc>
+                <a:tc>
+                  <a:txBody>
+                    <a:bodyPr/>
+                    <a:lstStyle/>
+                    <a:p>
+                      <a:pPr algn="l">
+                        <a:lnSpc>
+                          <a:spcPct val="100000"/>
+                        </a:lnSpc>
+                      </a:pPr>
+                      <a:r>
+                        <a:rPr lang="ru-RU" sz="3600" b="0" dirty="0">
+                          <a:solidFill>
+                            <a:schemeClr val="bg1"/>
+                          </a:solidFill>
+                          <a:effectLst/>
+                          <a:latin typeface="Times New Roman" panose="02020603050405020304" pitchFamily="18" charset="0"/>
+                          <a:cs typeface="Times New Roman" panose="02020603050405020304" pitchFamily="18" charset="0"/>
+                        </a:rPr>
+                        <a:t>Администратор может выбрать определенный вариант отчета с указанием промежутка времени.</a:t>
+                      </a:r>
+                      <a:endParaRPr lang="ru-RU" sz="3600" b="0" dirty="0">
+                        <a:solidFill>
+                          <a:schemeClr val="bg1"/>
+                        </a:solidFill>
+                        <a:effectLst/>
+                        <a:latin typeface="Times New Roman" panose="02020603050405020304" pitchFamily="18" charset="0"/>
+                        <a:ea typeface="Calibri" panose="020F0502020204030204" pitchFamily="34" charset="0"/>
+                        <a:cs typeface="Times New Roman" panose="02020603050405020304" pitchFamily="18" charset="0"/>
+                      </a:endParaRPr>
+                    </a:p>
+                  </a:txBody>
+                  <a:tcPr marL="54720" marR="54720" marT="0" marB="0">
+                    <a:solidFill>
+                      <a:srgbClr val="197BC5"/>
+                    </a:solidFill>
+                  </a:tcPr>
+                </a:tc>
+                <a:extLst>
+                  <a:ext uri="{0D108BD9-81ED-4DB2-BD59-A6C34878D82A}">
+                    <a16:rowId xmlns:a16="http://schemas.microsoft.com/office/drawing/2014/main" val="409142005"/>
+                  </a:ext>
+                </a:extLst>
+              </a:tr>
+            </a:tbl>
+          </a:graphicData>
+        </a:graphic>
+      </p:graphicFrame>
+    </p:spTree>
+    <p:extLst>
+      <p:ext uri="{BB962C8B-B14F-4D97-AF65-F5344CB8AC3E}">
+        <p14:creationId xmlns:p14="http://schemas.microsoft.com/office/powerpoint/2010/main" val="429005046"/>
+      </p:ext>
+    </p:extLst>
+  </p:cSld>
+  <p:clrMapOvr>
+    <a:masterClrMapping/>
+  </p:clrMapOvr>
+</p:sld>
+</file>
+
+<file path=ppt/slides/slide12.xml><?xml version="1.0" encoding="utf-8"?>
+<p:sld xmlns:a="http://schemas.openxmlformats.org/drawingml/2006/main" xmlns:r="http://schemas.openxmlformats.org/officeDocument/2006/relationships" xmlns:p="http://schemas.openxmlformats.org/presentationml/2006/main">
+  <p:cSld>
+    <p:bg>
+      <p:bgPr>
+        <a:solidFill>
+          <a:srgbClr val="197BC5"/>
+        </a:solidFill>
+        <a:effectLst/>
+      </p:bgPr>
+    </p:bg>
+    <p:spTree>
+      <p:nvGrpSpPr>
+        <p:cNvPr id="1" name="">
+          <a:extLst>
+            <a:ext uri="{FF2B5EF4-FFF2-40B4-BE49-F238E27FC236}">
+              <a16:creationId xmlns:a16="http://schemas.microsoft.com/office/drawing/2014/main" id="{EE13DECD-86FF-B6CA-6CE0-FDD8A8A24816}"/>
+            </a:ext>
+          </a:extLst>
+        </p:cNvPr>
+        <p:cNvGrpSpPr/>
+        <p:nvPr/>
+      </p:nvGrpSpPr>
+      <p:grpSpPr>
+        <a:xfrm>
+          <a:off x="0" y="0"/>
+          <a:ext cx="0" cy="0"/>
+          <a:chOff x="0" y="0"/>
+          <a:chExt cx="0" cy="0"/>
+        </a:xfrm>
+      </p:grpSpPr>
+      <p:sp>
+        <p:nvSpPr>
+          <p:cNvPr id="2" name="Заголовок 1">
+            <a:extLst>
+              <a:ext uri="{FF2B5EF4-FFF2-40B4-BE49-F238E27FC236}">
+                <a16:creationId xmlns:a16="http://schemas.microsoft.com/office/drawing/2014/main" id="{646C8B43-CA07-DC2C-F68D-457DECF8E2AD}"/>
+              </a:ext>
+            </a:extLst>
+          </p:cNvPr>
+          <p:cNvSpPr>
+            <a:spLocks noGrp="1"/>
+          </p:cNvSpPr>
+          <p:nvPr>
+            <p:ph type="ctrTitle"/>
+          </p:nvPr>
+        </p:nvSpPr>
+        <p:spPr>
+          <a:xfrm>
+            <a:off x="504824" y="12723"/>
+            <a:ext cx="11182349" cy="790574"/>
+          </a:xfrm>
+        </p:spPr>
+        <p:txBody>
+          <a:bodyPr>
+            <a:normAutofit/>
+          </a:bodyPr>
+          <a:lstStyle/>
+          <a:p>
+            <a:r>
+              <a:rPr lang="ru-RU" sz="3600" dirty="0">
+                <a:solidFill>
+                  <a:schemeClr val="bg1"/>
+                </a:solidFill>
+                <a:latin typeface="Times New Roman" panose="02020603050405020304" pitchFamily="18" charset="0"/>
+                <a:cs typeface="Times New Roman" panose="02020603050405020304" pitchFamily="18" charset="0"/>
+              </a:rPr>
+              <a:t>Функция 11</a:t>
+            </a:r>
+          </a:p>
+        </p:txBody>
+      </p:sp>
+      <p:graphicFrame>
+        <p:nvGraphicFramePr>
+          <p:cNvPr id="4" name="Таблица 3">
+            <a:extLst>
+              <a:ext uri="{FF2B5EF4-FFF2-40B4-BE49-F238E27FC236}">
+                <a16:creationId xmlns:a16="http://schemas.microsoft.com/office/drawing/2014/main" id="{6031CAEE-B9DB-FAD3-AED0-E4D70B0F548B}"/>
+              </a:ext>
+            </a:extLst>
+          </p:cNvPr>
+          <p:cNvGraphicFramePr>
+            <a:graphicFrameLocks noGrp="1"/>
+          </p:cNvGraphicFramePr>
+          <p:nvPr>
+            <p:extLst>
+              <p:ext uri="{D42A27DB-BD31-4B8C-83A1-F6EECF244321}">
+                <p14:modId xmlns:p14="http://schemas.microsoft.com/office/powerpoint/2010/main" val="1191094990"/>
+              </p:ext>
+            </p:extLst>
+          </p:nvPr>
+        </p:nvGraphicFramePr>
+        <p:xfrm>
+          <a:off x="292894" y="1047751"/>
+          <a:ext cx="11606211" cy="2447191"/>
+        </p:xfrm>
+        <a:graphic>
+          <a:graphicData uri="http://schemas.openxmlformats.org/drawingml/2006/table">
+            <a:tbl>
+              <a:tblPr firstRow="1" firstCol="1" bandRow="1">
+                <a:tableStyleId>{5C22544A-7EE6-4342-B048-85BDC9FD1C3A}</a:tableStyleId>
+              </a:tblPr>
+              <a:tblGrid>
+                <a:gridCol w="3605212">
+                  <a:extLst>
+                    <a:ext uri="{9D8B030D-6E8A-4147-A177-3AD203B41FA5}">
+                      <a16:colId xmlns:a16="http://schemas.microsoft.com/office/drawing/2014/main" val="1852623876"/>
+                    </a:ext>
+                  </a:extLst>
+                </a:gridCol>
+                <a:gridCol w="8000999">
+                  <a:extLst>
+                    <a:ext uri="{9D8B030D-6E8A-4147-A177-3AD203B41FA5}">
+                      <a16:colId xmlns:a16="http://schemas.microsoft.com/office/drawing/2014/main" val="4047776616"/>
+                    </a:ext>
+                  </a:extLst>
+                </a:gridCol>
+              </a:tblGrid>
+              <a:tr h="482698">
+                <a:tc>
+                  <a:txBody>
+                    <a:bodyPr/>
+                    <a:lstStyle/>
+                    <a:p>
+                      <a:pPr algn="l">
+                        <a:lnSpc>
+                          <a:spcPct val="100000"/>
+                        </a:lnSpc>
+                      </a:pPr>
+                      <a:r>
+                        <a:rPr lang="ru-RU" sz="3600" b="0" dirty="0">
+                          <a:solidFill>
+                            <a:schemeClr val="bg1"/>
+                          </a:solidFill>
+                          <a:effectLst/>
+                          <a:latin typeface="Times New Roman" panose="02020603050405020304" pitchFamily="18" charset="0"/>
+                          <a:ea typeface="Calibri" panose="020F0502020204030204" pitchFamily="34" charset="0"/>
+                          <a:cs typeface="Times New Roman" panose="02020603050405020304" pitchFamily="18" charset="0"/>
+                        </a:rPr>
+                        <a:t>Название</a:t>
+                      </a:r>
+                    </a:p>
+                  </a:txBody>
+                  <a:tcPr marL="54720" marR="54720" marT="0" marB="0">
+                    <a:solidFill>
+                      <a:srgbClr val="197BC5"/>
+                    </a:solidFill>
+                  </a:tcPr>
+                </a:tc>
+                <a:tc>
+                  <a:txBody>
+                    <a:bodyPr/>
+                    <a:lstStyle/>
+                    <a:p>
+                      <a:pPr algn="l">
+                        <a:lnSpc>
+                          <a:spcPct val="100000"/>
+                        </a:lnSpc>
+                      </a:pPr>
+                      <a:r>
+                        <a:rPr lang="ru-RU" sz="3600" b="0" dirty="0">
+                          <a:solidFill>
+                            <a:schemeClr val="bg1"/>
+                          </a:solidFill>
+                          <a:effectLst/>
+                          <a:latin typeface="Times New Roman" panose="02020603050405020304" pitchFamily="18" charset="0"/>
+                          <a:ea typeface="Calibri" panose="020F0502020204030204" pitchFamily="34" charset="0"/>
+                          <a:cs typeface="Times New Roman" panose="02020603050405020304" pitchFamily="18" charset="0"/>
+                        </a:rPr>
+                        <a:t>Описание</a:t>
+                      </a:r>
+                    </a:p>
+                  </a:txBody>
+                  <a:tcPr marL="54720" marR="54720" marT="0" marB="0">
+                    <a:solidFill>
+                      <a:srgbClr val="197BC5"/>
+                    </a:solidFill>
+                  </a:tcPr>
+                </a:tc>
+                <a:extLst>
+                  <a:ext uri="{0D108BD9-81ED-4DB2-BD59-A6C34878D82A}">
+                    <a16:rowId xmlns:a16="http://schemas.microsoft.com/office/drawing/2014/main" val="1309979292"/>
+                  </a:ext>
+                </a:extLst>
+              </a:tr>
+              <a:tr h="1898551">
+                <a:tc>
+                  <a:txBody>
+                    <a:bodyPr/>
+                    <a:lstStyle/>
+                    <a:p>
+                      <a:pPr algn="l">
+                        <a:lnSpc>
+                          <a:spcPct val="100000"/>
+                        </a:lnSpc>
+                      </a:pPr>
+                      <a:r>
+                        <a:rPr lang="ru-RU" sz="3600" b="0" dirty="0">
+                          <a:solidFill>
+                            <a:schemeClr val="bg1"/>
+                          </a:solidFill>
+                          <a:effectLst/>
+                          <a:latin typeface="Times New Roman" panose="02020603050405020304" pitchFamily="18" charset="0"/>
+                          <a:cs typeface="Times New Roman" panose="02020603050405020304" pitchFamily="18" charset="0"/>
+                        </a:rPr>
+                        <a:t>Изменение цветовой темы приложения</a:t>
+                      </a:r>
+                      <a:endParaRPr lang="ru-RU" sz="3600" b="0" dirty="0">
+                        <a:solidFill>
+                          <a:schemeClr val="bg1"/>
+                        </a:solidFill>
+                        <a:effectLst/>
+                        <a:latin typeface="Times New Roman" panose="02020603050405020304" pitchFamily="18" charset="0"/>
+                        <a:ea typeface="Calibri" panose="020F0502020204030204" pitchFamily="34" charset="0"/>
+                        <a:cs typeface="Times New Roman" panose="02020603050405020304" pitchFamily="18" charset="0"/>
+                      </a:endParaRPr>
+                    </a:p>
+                  </a:txBody>
+                  <a:tcPr marL="54720" marR="54720" marT="0" marB="0">
+                    <a:solidFill>
+                      <a:srgbClr val="197BC5"/>
+                    </a:solidFill>
+                  </a:tcPr>
+                </a:tc>
+                <a:tc>
+                  <a:txBody>
+                    <a:bodyPr/>
+                    <a:lstStyle/>
+                    <a:p>
+                      <a:pPr algn="l">
+                        <a:lnSpc>
+                          <a:spcPct val="100000"/>
+                        </a:lnSpc>
+                      </a:pPr>
+                      <a:r>
+                        <a:rPr lang="ru-RU" sz="3600" b="0" dirty="0">
+                          <a:solidFill>
+                            <a:schemeClr val="bg1"/>
+                          </a:solidFill>
+                          <a:effectLst/>
+                          <a:latin typeface="Times New Roman" panose="02020603050405020304" pitchFamily="18" charset="0"/>
+                          <a:cs typeface="Times New Roman" panose="02020603050405020304" pitchFamily="18" charset="0"/>
+                        </a:rPr>
+                        <a:t>Доступен выбор темы приложения: темная и светлая.</a:t>
+                      </a:r>
+                      <a:endParaRPr lang="ru-RU" sz="3600" b="0" dirty="0">
+                        <a:solidFill>
+                          <a:schemeClr val="bg1"/>
+                        </a:solidFill>
+                        <a:effectLst/>
+                        <a:latin typeface="Times New Roman" panose="02020603050405020304" pitchFamily="18" charset="0"/>
+                        <a:ea typeface="Calibri" panose="020F0502020204030204" pitchFamily="34" charset="0"/>
+                        <a:cs typeface="Times New Roman" panose="02020603050405020304" pitchFamily="18" charset="0"/>
+                      </a:endParaRPr>
+                    </a:p>
+                  </a:txBody>
+                  <a:tcPr marL="54720" marR="54720" marT="0" marB="0">
+                    <a:solidFill>
+                      <a:srgbClr val="197BC5"/>
+                    </a:solidFill>
+                  </a:tcPr>
+                </a:tc>
+                <a:extLst>
+                  <a:ext uri="{0D108BD9-81ED-4DB2-BD59-A6C34878D82A}">
+                    <a16:rowId xmlns:a16="http://schemas.microsoft.com/office/drawing/2014/main" val="409142005"/>
+                  </a:ext>
+                </a:extLst>
+              </a:tr>
+            </a:tbl>
+          </a:graphicData>
+        </a:graphic>
+      </p:graphicFrame>
+      <p:pic>
+        <p:nvPicPr>
+          <p:cNvPr id="5" name="Рисунок 4">
+            <a:extLst>
+              <a:ext uri="{FF2B5EF4-FFF2-40B4-BE49-F238E27FC236}">
+                <a16:creationId xmlns:a16="http://schemas.microsoft.com/office/drawing/2014/main" id="{CB694249-F0B9-2F4C-AD17-653A80B20925}"/>
+              </a:ext>
+            </a:extLst>
+          </p:cNvPr>
+          <p:cNvPicPr>
+            <a:picLocks noChangeAspect="1"/>
+          </p:cNvPicPr>
+          <p:nvPr/>
+        </p:nvPicPr>
+        <p:blipFill>
+          <a:blip r:embed="rId2"/>
+          <a:stretch>
+            <a:fillRect/>
+          </a:stretch>
+        </p:blipFill>
+        <p:spPr>
+          <a:xfrm>
+            <a:off x="4327557" y="3560969"/>
+            <a:ext cx="3218241" cy="3206496"/>
+          </a:xfrm>
+          <a:prstGeom prst="rect">
+            <a:avLst/>
+          </a:prstGeom>
+        </p:spPr>
+      </p:pic>
+    </p:spTree>
+    <p:extLst>
+      <p:ext uri="{BB962C8B-B14F-4D97-AF65-F5344CB8AC3E}">
+        <p14:creationId xmlns:p14="http://schemas.microsoft.com/office/powerpoint/2010/main" val="2712131383"/>
+      </p:ext>
+    </p:extLst>
+  </p:cSld>
+  <p:clrMapOvr>
+    <a:masterClrMapping/>
+  </p:clrMapOvr>
+</p:sld>
+</file>
+
+<file path=ppt/slides/slide13.xml><?xml version="1.0" encoding="utf-8"?>
+<p:sld xmlns:a="http://schemas.openxmlformats.org/drawingml/2006/main" xmlns:r="http://schemas.openxmlformats.org/officeDocument/2006/relationships" xmlns:p="http://schemas.openxmlformats.org/presentationml/2006/main">
+  <p:cSld>
+    <p:bg>
+      <p:bgPr>
+        <a:solidFill>
+          <a:srgbClr val="197BC5"/>
+        </a:solidFill>
+        <a:effectLst/>
+      </p:bgPr>
+    </p:bg>
+    <p:spTree>
+      <p:nvGrpSpPr>
+        <p:cNvPr id="1" name="">
+          <a:extLst>
+            <a:ext uri="{FF2B5EF4-FFF2-40B4-BE49-F238E27FC236}">
+              <a16:creationId xmlns:a16="http://schemas.microsoft.com/office/drawing/2014/main" id="{6E1BB6F3-3532-7810-C5B6-DCE8F7B7D6DF}"/>
+            </a:ext>
+          </a:extLst>
+        </p:cNvPr>
+        <p:cNvGrpSpPr/>
+        <p:nvPr/>
+      </p:nvGrpSpPr>
+      <p:grpSpPr>
+        <a:xfrm>
+          <a:off x="0" y="0"/>
+          <a:ext cx="0" cy="0"/>
+          <a:chOff x="0" y="0"/>
+          <a:chExt cx="0" cy="0"/>
+        </a:xfrm>
+      </p:grpSpPr>
+      <p:sp>
+        <p:nvSpPr>
+          <p:cNvPr id="2" name="Заголовок 1">
+            <a:extLst>
+              <a:ext uri="{FF2B5EF4-FFF2-40B4-BE49-F238E27FC236}">
+                <a16:creationId xmlns:a16="http://schemas.microsoft.com/office/drawing/2014/main" id="{C1D33723-B350-277E-6C8D-7114A81A41EC}"/>
+              </a:ext>
+            </a:extLst>
+          </p:cNvPr>
+          <p:cNvSpPr>
+            <a:spLocks noGrp="1"/>
+          </p:cNvSpPr>
+          <p:nvPr>
+            <p:ph type="ctrTitle"/>
+          </p:nvPr>
+        </p:nvSpPr>
+        <p:spPr>
+          <a:xfrm>
+            <a:off x="504824" y="12723"/>
+            <a:ext cx="11182349" cy="790574"/>
+          </a:xfrm>
+        </p:spPr>
+        <p:txBody>
+          <a:bodyPr>
+            <a:normAutofit/>
+          </a:bodyPr>
+          <a:lstStyle/>
+          <a:p>
+            <a:r>
+              <a:rPr lang="ru-RU" sz="3600" dirty="0">
+                <a:solidFill>
+                  <a:schemeClr val="bg1"/>
+                </a:solidFill>
+                <a:latin typeface="Times New Roman" panose="02020603050405020304" pitchFamily="18" charset="0"/>
+                <a:cs typeface="Times New Roman" panose="02020603050405020304" pitchFamily="18" charset="0"/>
+              </a:rPr>
+              <a:t>Функция 12</a:t>
+            </a:r>
+          </a:p>
+        </p:txBody>
+      </p:sp>
+      <p:graphicFrame>
+        <p:nvGraphicFramePr>
+          <p:cNvPr id="4" name="Таблица 3">
+            <a:extLst>
+              <a:ext uri="{FF2B5EF4-FFF2-40B4-BE49-F238E27FC236}">
+                <a16:creationId xmlns:a16="http://schemas.microsoft.com/office/drawing/2014/main" id="{037D03D1-642F-84CD-E82C-7A18EF9AA9CA}"/>
+              </a:ext>
+            </a:extLst>
+          </p:cNvPr>
+          <p:cNvGraphicFramePr>
+            <a:graphicFrameLocks noGrp="1"/>
+          </p:cNvGraphicFramePr>
+          <p:nvPr>
+            <p:extLst>
+              <p:ext uri="{D42A27DB-BD31-4B8C-83A1-F6EECF244321}">
+                <p14:modId xmlns:p14="http://schemas.microsoft.com/office/powerpoint/2010/main" val="2555367076"/>
+              </p:ext>
+            </p:extLst>
+          </p:nvPr>
+        </p:nvGraphicFramePr>
+        <p:xfrm>
+          <a:off x="292894" y="1047752"/>
+          <a:ext cx="11606211" cy="3605729"/>
+        </p:xfrm>
+        <a:graphic>
+          <a:graphicData uri="http://schemas.openxmlformats.org/drawingml/2006/table">
+            <a:tbl>
+              <a:tblPr firstRow="1" firstCol="1" bandRow="1">
+                <a:tableStyleId>{5C22544A-7EE6-4342-B048-85BDC9FD1C3A}</a:tableStyleId>
+              </a:tblPr>
+              <a:tblGrid>
+                <a:gridCol w="3605212">
+                  <a:extLst>
+                    <a:ext uri="{9D8B030D-6E8A-4147-A177-3AD203B41FA5}">
+                      <a16:colId xmlns:a16="http://schemas.microsoft.com/office/drawing/2014/main" val="1852623876"/>
+                    </a:ext>
+                  </a:extLst>
+                </a:gridCol>
+                <a:gridCol w="8000999">
+                  <a:extLst>
+                    <a:ext uri="{9D8B030D-6E8A-4147-A177-3AD203B41FA5}">
+                      <a16:colId xmlns:a16="http://schemas.microsoft.com/office/drawing/2014/main" val="4047776616"/>
+                    </a:ext>
+                  </a:extLst>
+                </a:gridCol>
+              </a:tblGrid>
+              <a:tr h="582434">
+                <a:tc>
+                  <a:txBody>
+                    <a:bodyPr/>
+                    <a:lstStyle/>
+                    <a:p>
+                      <a:pPr algn="l">
+                        <a:lnSpc>
+                          <a:spcPct val="100000"/>
+                        </a:lnSpc>
+                      </a:pPr>
+                      <a:r>
+                        <a:rPr lang="ru-RU" sz="3600" b="0" dirty="0">
+                          <a:solidFill>
+                            <a:schemeClr val="bg1"/>
+                          </a:solidFill>
+                          <a:effectLst/>
+                          <a:latin typeface="Times New Roman" panose="02020603050405020304" pitchFamily="18" charset="0"/>
+                          <a:ea typeface="Calibri" panose="020F0502020204030204" pitchFamily="34" charset="0"/>
+                          <a:cs typeface="Times New Roman" panose="02020603050405020304" pitchFamily="18" charset="0"/>
+                        </a:rPr>
+                        <a:t>Название</a:t>
+                      </a:r>
+                    </a:p>
+                  </a:txBody>
+                  <a:tcPr marL="54720" marR="54720" marT="0" marB="0">
+                    <a:solidFill>
+                      <a:srgbClr val="197BC5"/>
+                    </a:solidFill>
+                  </a:tcPr>
+                </a:tc>
+                <a:tc>
+                  <a:txBody>
+                    <a:bodyPr/>
+                    <a:lstStyle/>
+                    <a:p>
+                      <a:pPr algn="l">
+                        <a:lnSpc>
+                          <a:spcPct val="100000"/>
+                        </a:lnSpc>
+                      </a:pPr>
+                      <a:r>
+                        <a:rPr lang="ru-RU" sz="3600" b="0" dirty="0">
+                          <a:solidFill>
+                            <a:schemeClr val="bg1"/>
+                          </a:solidFill>
+                          <a:effectLst/>
+                          <a:latin typeface="Times New Roman" panose="02020603050405020304" pitchFamily="18" charset="0"/>
+                          <a:ea typeface="Calibri" panose="020F0502020204030204" pitchFamily="34" charset="0"/>
+                          <a:cs typeface="Times New Roman" panose="02020603050405020304" pitchFamily="18" charset="0"/>
+                        </a:rPr>
+                        <a:t>Описание</a:t>
+                      </a:r>
+                    </a:p>
+                  </a:txBody>
+                  <a:tcPr marL="54720" marR="54720" marT="0" marB="0">
+                    <a:solidFill>
+                      <a:srgbClr val="197BC5"/>
+                    </a:solidFill>
+                  </a:tcPr>
+                </a:tc>
+                <a:extLst>
+                  <a:ext uri="{0D108BD9-81ED-4DB2-BD59-A6C34878D82A}">
+                    <a16:rowId xmlns:a16="http://schemas.microsoft.com/office/drawing/2014/main" val="1309979292"/>
+                  </a:ext>
+                </a:extLst>
+              </a:tr>
+              <a:tr h="3023295">
+                <a:tc>
+                  <a:txBody>
+                    <a:bodyPr/>
+                    <a:lstStyle/>
+                    <a:p>
+                      <a:pPr algn="l">
+                        <a:lnSpc>
+                          <a:spcPct val="100000"/>
+                        </a:lnSpc>
+                      </a:pPr>
+                      <a:r>
+                        <a:rPr lang="ru-RU" sz="3600" b="0" dirty="0">
+                          <a:solidFill>
+                            <a:schemeClr val="bg1"/>
+                          </a:solidFill>
+                          <a:effectLst/>
+                          <a:latin typeface="Times New Roman" panose="02020603050405020304" pitchFamily="18" charset="0"/>
+                          <a:cs typeface="Times New Roman" panose="02020603050405020304" pitchFamily="18" charset="0"/>
+                        </a:rPr>
+                        <a:t>Вход в систему (идентификация, аутентификация и авторизация пользователя)</a:t>
+                      </a:r>
+                      <a:endParaRPr lang="ru-RU" sz="3600" b="0" dirty="0">
+                        <a:solidFill>
+                          <a:schemeClr val="bg1"/>
+                        </a:solidFill>
+                        <a:effectLst/>
+                        <a:latin typeface="Times New Roman" panose="02020603050405020304" pitchFamily="18" charset="0"/>
+                        <a:ea typeface="Calibri" panose="020F0502020204030204" pitchFamily="34" charset="0"/>
+                        <a:cs typeface="Times New Roman" panose="02020603050405020304" pitchFamily="18" charset="0"/>
+                      </a:endParaRPr>
+                    </a:p>
+                  </a:txBody>
+                  <a:tcPr marL="54720" marR="54720" marT="0" marB="0">
+                    <a:solidFill>
+                      <a:srgbClr val="197BC5"/>
+                    </a:solidFill>
+                  </a:tcPr>
+                </a:tc>
+                <a:tc>
+                  <a:txBody>
+                    <a:bodyPr/>
+                    <a:lstStyle/>
+                    <a:p>
+                      <a:pPr algn="l">
+                        <a:lnSpc>
+                          <a:spcPct val="100000"/>
+                        </a:lnSpc>
+                      </a:pPr>
+                      <a:r>
+                        <a:rPr lang="ru-RU" sz="3600" b="0" dirty="0">
+                          <a:solidFill>
+                            <a:schemeClr val="bg1"/>
+                          </a:solidFill>
+                          <a:effectLst/>
+                          <a:latin typeface="Times New Roman" panose="02020603050405020304" pitchFamily="18" charset="0"/>
+                          <a:cs typeface="Times New Roman" panose="02020603050405020304" pitchFamily="18" charset="0"/>
+                        </a:rPr>
+                        <a:t>Пользователь может войти в аккаунт, который имеет определенный тип привилегий.</a:t>
+                      </a:r>
+                      <a:endParaRPr lang="ru-RU" sz="3600" b="0" dirty="0">
+                        <a:solidFill>
+                          <a:schemeClr val="bg1"/>
+                        </a:solidFill>
+                        <a:effectLst/>
+                        <a:latin typeface="Times New Roman" panose="02020603050405020304" pitchFamily="18" charset="0"/>
+                        <a:ea typeface="Calibri" panose="020F0502020204030204" pitchFamily="34" charset="0"/>
+                        <a:cs typeface="Times New Roman" panose="02020603050405020304" pitchFamily="18" charset="0"/>
+                      </a:endParaRPr>
+                    </a:p>
+                  </a:txBody>
+                  <a:tcPr marL="54720" marR="54720" marT="0" marB="0">
+                    <a:solidFill>
+                      <a:srgbClr val="197BC5"/>
+                    </a:solidFill>
+                  </a:tcPr>
+                </a:tc>
+                <a:extLst>
+                  <a:ext uri="{0D108BD9-81ED-4DB2-BD59-A6C34878D82A}">
+                    <a16:rowId xmlns:a16="http://schemas.microsoft.com/office/drawing/2014/main" val="409142005"/>
+                  </a:ext>
+                </a:extLst>
+              </a:tr>
+            </a:tbl>
+          </a:graphicData>
+        </a:graphic>
+      </p:graphicFrame>
+    </p:spTree>
+    <p:extLst>
+      <p:ext uri="{BB962C8B-B14F-4D97-AF65-F5344CB8AC3E}">
+        <p14:creationId xmlns:p14="http://schemas.microsoft.com/office/powerpoint/2010/main" val="1232873334"/>
+      </p:ext>
+    </p:extLst>
+  </p:cSld>
+  <p:clrMapOvr>
+    <a:masterClrMapping/>
+  </p:clrMapOvr>
+</p:sld>
+</file>
+
+<file path=ppt/slides/slide14.xml><?xml version="1.0" encoding="utf-8"?>
+<p:sld xmlns:a="http://schemas.openxmlformats.org/drawingml/2006/main" xmlns:r="http://schemas.openxmlformats.org/officeDocument/2006/relationships" xmlns:p="http://schemas.openxmlformats.org/presentationml/2006/main">
+  <p:cSld>
+    <p:bg>
+      <p:bgPr>
+        <a:solidFill>
+          <a:srgbClr val="197BC5"/>
+        </a:solidFill>
+        <a:effectLst/>
+      </p:bgPr>
+    </p:bg>
+    <p:spTree>
+      <p:nvGrpSpPr>
+        <p:cNvPr id="1" name="">
+          <a:extLst>
+            <a:ext uri="{FF2B5EF4-FFF2-40B4-BE49-F238E27FC236}">
+              <a16:creationId xmlns:a16="http://schemas.microsoft.com/office/drawing/2014/main" id="{6CD86A45-143A-505B-B4A7-252BA910ED1D}"/>
+            </a:ext>
+          </a:extLst>
+        </p:cNvPr>
+        <p:cNvGrpSpPr/>
+        <p:nvPr/>
+      </p:nvGrpSpPr>
+      <p:grpSpPr>
+        <a:xfrm>
+          <a:off x="0" y="0"/>
+          <a:ext cx="0" cy="0"/>
+          <a:chOff x="0" y="0"/>
+          <a:chExt cx="0" cy="0"/>
+        </a:xfrm>
+      </p:grpSpPr>
+      <p:sp>
+        <p:nvSpPr>
+          <p:cNvPr id="2" name="Заголовок 1">
+            <a:extLst>
+              <a:ext uri="{FF2B5EF4-FFF2-40B4-BE49-F238E27FC236}">
+                <a16:creationId xmlns:a16="http://schemas.microsoft.com/office/drawing/2014/main" id="{C2A5BF5A-98D4-FF78-3A84-2B8F89C13F93}"/>
+              </a:ext>
+            </a:extLst>
+          </p:cNvPr>
+          <p:cNvSpPr>
+            <a:spLocks noGrp="1"/>
+          </p:cNvSpPr>
+          <p:nvPr>
+            <p:ph type="ctrTitle"/>
+          </p:nvPr>
+        </p:nvSpPr>
+        <p:spPr>
+          <a:xfrm>
+            <a:off x="504825" y="12723"/>
+            <a:ext cx="11182349" cy="639127"/>
+          </a:xfrm>
+        </p:spPr>
+        <p:txBody>
+          <a:bodyPr>
+            <a:normAutofit/>
+          </a:bodyPr>
+          <a:lstStyle/>
+          <a:p>
+            <a:r>
+              <a:rPr lang="en-US" sz="3600" dirty="0">
+                <a:solidFill>
+                  <a:schemeClr val="bg1"/>
+                </a:solidFill>
+                <a:latin typeface="Times New Roman" panose="02020603050405020304" pitchFamily="18" charset="0"/>
+                <a:cs typeface="Times New Roman" panose="02020603050405020304" pitchFamily="18" charset="0"/>
+              </a:rPr>
+              <a:t>Use case</a:t>
+            </a:r>
+            <a:endParaRPr lang="ru-RU" sz="3600" dirty="0">
+              <a:solidFill>
+                <a:schemeClr val="bg1"/>
+              </a:solidFill>
+              <a:latin typeface="Times New Roman" panose="02020603050405020304" pitchFamily="18" charset="0"/>
+              <a:cs typeface="Times New Roman" panose="02020603050405020304" pitchFamily="18" charset="0"/>
+            </a:endParaRPr>
+          </a:p>
+        </p:txBody>
+      </p:sp>
+      <p:pic>
+        <p:nvPicPr>
+          <p:cNvPr id="3" name="Рисунок 2" descr="Изображение выглядит как текст, снимок экрана, диаграмма, дизайн&#10;&#10;Автоматически созданное описание">
+            <a:extLst>
+              <a:ext uri="{FF2B5EF4-FFF2-40B4-BE49-F238E27FC236}">
+                <a16:creationId xmlns:a16="http://schemas.microsoft.com/office/drawing/2014/main" id="{753C7817-BA82-FA90-3627-6B02589B50A1}"/>
+              </a:ext>
+            </a:extLst>
+          </p:cNvPr>
+          <p:cNvPicPr>
+            <a:picLocks noChangeAspect="1"/>
+          </p:cNvPicPr>
+          <p:nvPr/>
+        </p:nvPicPr>
+        <p:blipFill>
+          <a:blip r:embed="rId2"/>
+          <a:stretch>
+            <a:fillRect/>
+          </a:stretch>
+        </p:blipFill>
+        <p:spPr>
+          <a:xfrm>
+            <a:off x="928853" y="639127"/>
+            <a:ext cx="10334291" cy="6206150"/>
+          </a:xfrm>
+          <a:prstGeom prst="rect">
+            <a:avLst/>
+          </a:prstGeom>
+        </p:spPr>
+      </p:pic>
+    </p:spTree>
+    <p:extLst>
+      <p:ext uri="{BB962C8B-B14F-4D97-AF65-F5344CB8AC3E}">
+        <p14:creationId xmlns:p14="http://schemas.microsoft.com/office/powerpoint/2010/main" val="1634719122"/>
+      </p:ext>
+    </p:extLst>
+  </p:cSld>
+  <p:clrMapOvr>
+    <a:masterClrMapping/>
+  </p:clrMapOvr>
+</p:sld>
+</file>
+
+<file path=ppt/slides/slide15.xml><?xml version="1.0" encoding="utf-8"?>
+<p:sld xmlns:a="http://schemas.openxmlformats.org/drawingml/2006/main" xmlns:r="http://schemas.openxmlformats.org/officeDocument/2006/relationships" xmlns:p="http://schemas.openxmlformats.org/presentationml/2006/main">
+  <p:cSld>
+    <p:bg>
+      <p:bgPr>
+        <a:solidFill>
+          <a:srgbClr val="197BC5"/>
+        </a:solidFill>
+        <a:effectLst/>
+      </p:bgPr>
+    </p:bg>
+    <p:spTree>
+      <p:nvGrpSpPr>
+        <p:cNvPr id="1" name="">
+          <a:extLst>
+            <a:ext uri="{FF2B5EF4-FFF2-40B4-BE49-F238E27FC236}">
+              <a16:creationId xmlns:a16="http://schemas.microsoft.com/office/drawing/2014/main" id="{3D016780-1E60-5006-6888-1814CCE2C203}"/>
+            </a:ext>
+          </a:extLst>
+        </p:cNvPr>
+        <p:cNvGrpSpPr/>
+        <p:nvPr/>
+      </p:nvGrpSpPr>
+      <p:grpSpPr>
+        <a:xfrm>
+          <a:off x="0" y="0"/>
+          <a:ext cx="0" cy="0"/>
+          <a:chOff x="0" y="0"/>
+          <a:chExt cx="0" cy="0"/>
+        </a:xfrm>
+      </p:grpSpPr>
+      <p:sp>
+        <p:nvSpPr>
+          <p:cNvPr id="2" name="Заголовок 1">
+            <a:extLst>
+              <a:ext uri="{FF2B5EF4-FFF2-40B4-BE49-F238E27FC236}">
+                <a16:creationId xmlns:a16="http://schemas.microsoft.com/office/drawing/2014/main" id="{254D8D04-378A-0473-6F7F-3F347BDA0720}"/>
+              </a:ext>
+            </a:extLst>
+          </p:cNvPr>
+          <p:cNvSpPr>
+            <a:spLocks noGrp="1"/>
+          </p:cNvSpPr>
+          <p:nvPr>
+            <p:ph type="ctrTitle"/>
+          </p:nvPr>
+        </p:nvSpPr>
+        <p:spPr>
+          <a:xfrm>
+            <a:off x="504825" y="12723"/>
+            <a:ext cx="11182349" cy="639127"/>
+          </a:xfrm>
+        </p:spPr>
+        <p:txBody>
+          <a:bodyPr>
+            <a:normAutofit/>
+          </a:bodyPr>
+          <a:lstStyle/>
+          <a:p>
+            <a:r>
+              <a:rPr lang="ru-RU" sz="3600" dirty="0">
+                <a:solidFill>
+                  <a:schemeClr val="bg1"/>
+                </a:solidFill>
+                <a:latin typeface="Times New Roman" panose="02020603050405020304" pitchFamily="18" charset="0"/>
+                <a:cs typeface="Times New Roman" panose="02020603050405020304" pitchFamily="18" charset="0"/>
+              </a:rPr>
+              <a:t>Диаграмма </a:t>
+            </a:r>
+            <a:r>
+              <a:rPr lang="ru-RU" sz="3600" dirty="0" err="1">
+                <a:solidFill>
+                  <a:schemeClr val="bg1"/>
+                </a:solidFill>
+                <a:latin typeface="Times New Roman" panose="02020603050405020304" pitchFamily="18" charset="0"/>
+                <a:cs typeface="Times New Roman" panose="02020603050405020304" pitchFamily="18" charset="0"/>
+              </a:rPr>
+              <a:t>Гантта</a:t>
+            </a:r>
+            <a:endParaRPr lang="ru-RU" sz="3600" dirty="0">
+              <a:solidFill>
+                <a:schemeClr val="bg1"/>
+              </a:solidFill>
+              <a:latin typeface="Times New Roman" panose="02020603050405020304" pitchFamily="18" charset="0"/>
+              <a:cs typeface="Times New Roman" panose="02020603050405020304" pitchFamily="18" charset="0"/>
+            </a:endParaRPr>
+          </a:p>
+        </p:txBody>
+      </p:sp>
+      <p:pic>
+        <p:nvPicPr>
+          <p:cNvPr id="2050" name="Picture 2">
+            <a:extLst>
+              <a:ext uri="{FF2B5EF4-FFF2-40B4-BE49-F238E27FC236}">
+                <a16:creationId xmlns:a16="http://schemas.microsoft.com/office/drawing/2014/main" id="{791EE52E-617E-E7C7-88FC-0A40A64F20E5}"/>
+              </a:ext>
+            </a:extLst>
+          </p:cNvPr>
+          <p:cNvPicPr>
+            <a:picLocks noChangeAspect="1" noChangeArrowheads="1"/>
+          </p:cNvPicPr>
+          <p:nvPr/>
+        </p:nvPicPr>
+        <p:blipFill>
+          <a:blip r:embed="rId2">
+            <a:extLst>
+              <a:ext uri="{28A0092B-C50C-407E-A947-70E740481C1C}">
+                <a14:useLocalDpi xmlns:a14="http://schemas.microsoft.com/office/drawing/2010/main" val="0"/>
+              </a:ext>
+            </a:extLst>
+          </a:blip>
+          <a:srcRect/>
+          <a:stretch>
+            <a:fillRect/>
+          </a:stretch>
+        </p:blipFill>
+        <p:spPr bwMode="auto">
+          <a:xfrm rot="5400000">
+            <a:off x="3411987" y="-2550556"/>
+            <a:ext cx="5368025" cy="12192000"/>
+          </a:xfrm>
+          <a:prstGeom prst="rect">
+            <a:avLst/>
+          </a:prstGeom>
+          <a:noFill/>
+          <a:ln>
+            <a:noFill/>
+          </a:ln>
+          <a:extLst>
+            <a:ext uri="{909E8E84-426E-40DD-AFC4-6F175D3DCCD1}">
+              <a14:hiddenFill xmlns:a14="http://schemas.microsoft.com/office/drawing/2010/main">
+                <a:solidFill>
+                  <a:srgbClr val="FFFFFF"/>
+                </a:solidFill>
+              </a14:hiddenFill>
+            </a:ext>
+            <a:ext uri="{91240B29-F687-4F45-9708-019B960494DF}">
+              <a14:hiddenLine xmlns:a14="http://schemas.microsoft.com/office/drawing/2010/main" w="9525">
+                <a:solidFill>
+                  <a:srgbClr val="000000"/>
+                </a:solidFill>
+                <a:miter lim="800000"/>
+                <a:headEnd/>
+                <a:tailEnd/>
+              </a14:hiddenLine>
+            </a:ext>
+          </a:extLst>
+        </p:spPr>
+      </p:pic>
+    </p:spTree>
+    <p:extLst>
+      <p:ext uri="{BB962C8B-B14F-4D97-AF65-F5344CB8AC3E}">
+        <p14:creationId xmlns:p14="http://schemas.microsoft.com/office/powerpoint/2010/main" val="2468658276"/>
+      </p:ext>
+    </p:extLst>
+  </p:cSld>
+  <p:clrMapOvr>
+    <a:masterClrMapping/>
+  </p:clrMapOvr>
+</p:sld>
+</file>
+
+<file path=ppt/slides/slide2.xml><?xml version="1.0" encoding="utf-8"?>
+<p:sld xmlns:a="http://schemas.openxmlformats.org/drawingml/2006/main" xmlns:r="http://schemas.openxmlformats.org/officeDocument/2006/relationships" xmlns:p="http://schemas.openxmlformats.org/presentationml/2006/main">
+  <p:cSld>
+    <p:bg>
+      <p:bgPr>
+        <a:solidFill>
+          <a:srgbClr val="197BC5"/>
+        </a:solidFill>
+        <a:effectLst/>
+      </p:bgPr>
+    </p:bg>
+    <p:spTree>
+      <p:nvGrpSpPr>
+        <p:cNvPr id="1" name="">
+          <a:extLst>
+            <a:ext uri="{FF2B5EF4-FFF2-40B4-BE49-F238E27FC236}">
+              <a16:creationId xmlns:a16="http://schemas.microsoft.com/office/drawing/2014/main" id="{25B45DC3-6A77-4FC1-C9CF-FCD20716CCFD}"/>
+            </a:ext>
+          </a:extLst>
+        </p:cNvPr>
+        <p:cNvGrpSpPr/>
+        <p:nvPr/>
+      </p:nvGrpSpPr>
+      <p:grpSpPr>
+        <a:xfrm>
+          <a:off x="0" y="0"/>
+          <a:ext cx="0" cy="0"/>
+          <a:chOff x="0" y="0"/>
+          <a:chExt cx="0" cy="0"/>
+        </a:xfrm>
+      </p:grpSpPr>
+      <p:sp>
+        <p:nvSpPr>
+          <p:cNvPr id="2" name="Заголовок 1">
+            <a:extLst>
+              <a:ext uri="{FF2B5EF4-FFF2-40B4-BE49-F238E27FC236}">
+                <a16:creationId xmlns:a16="http://schemas.microsoft.com/office/drawing/2014/main" id="{84FF62C8-CB82-5319-D645-101C4435A5D6}"/>
+              </a:ext>
+            </a:extLst>
+          </p:cNvPr>
+          <p:cNvSpPr>
+            <a:spLocks noGrp="1"/>
+          </p:cNvSpPr>
+          <p:nvPr>
+            <p:ph type="ctrTitle"/>
+          </p:nvPr>
+        </p:nvSpPr>
+        <p:spPr>
+          <a:xfrm>
+            <a:off x="504824" y="12723"/>
+            <a:ext cx="11182349" cy="790574"/>
+          </a:xfrm>
+        </p:spPr>
+        <p:txBody>
+          <a:bodyPr>
+            <a:normAutofit/>
+          </a:bodyPr>
+          <a:lstStyle/>
+          <a:p>
+            <a:r>
+              <a:rPr lang="ru-RU" sz="3600" dirty="0">
+                <a:solidFill>
+                  <a:schemeClr val="bg1"/>
+                </a:solidFill>
+                <a:latin typeface="Times New Roman" panose="02020603050405020304" pitchFamily="18" charset="0"/>
+                <a:cs typeface="Times New Roman" panose="02020603050405020304" pitchFamily="18" charset="0"/>
+              </a:rPr>
+              <a:t>Функция 1</a:t>
+            </a:r>
+          </a:p>
+        </p:txBody>
+      </p:sp>
+      <p:graphicFrame>
+        <p:nvGraphicFramePr>
+          <p:cNvPr id="4" name="Таблица 3">
+            <a:extLst>
+              <a:ext uri="{FF2B5EF4-FFF2-40B4-BE49-F238E27FC236}">
+                <a16:creationId xmlns:a16="http://schemas.microsoft.com/office/drawing/2014/main" id="{05195A96-2D01-7F8A-BA85-278B873812C8}"/>
+              </a:ext>
+            </a:extLst>
+          </p:cNvPr>
+          <p:cNvGraphicFramePr>
+            <a:graphicFrameLocks noGrp="1"/>
+          </p:cNvGraphicFramePr>
+          <p:nvPr>
+            <p:extLst>
+              <p:ext uri="{D42A27DB-BD31-4B8C-83A1-F6EECF244321}">
+                <p14:modId xmlns:p14="http://schemas.microsoft.com/office/powerpoint/2010/main" val="4019074196"/>
+              </p:ext>
+            </p:extLst>
+          </p:nvPr>
+        </p:nvGraphicFramePr>
+        <p:xfrm>
+          <a:off x="292894" y="1047752"/>
+          <a:ext cx="11606211" cy="3667124"/>
+        </p:xfrm>
+        <a:graphic>
+          <a:graphicData uri="http://schemas.openxmlformats.org/drawingml/2006/table">
+            <a:tbl>
+              <a:tblPr firstRow="1" firstCol="1" bandRow="1">
+                <a:tableStyleId>{5C22544A-7EE6-4342-B048-85BDC9FD1C3A}</a:tableStyleId>
+              </a:tblPr>
+              <a:tblGrid>
+                <a:gridCol w="3605212">
+                  <a:extLst>
+                    <a:ext uri="{9D8B030D-6E8A-4147-A177-3AD203B41FA5}">
+                      <a16:colId xmlns:a16="http://schemas.microsoft.com/office/drawing/2014/main" val="1852623876"/>
+                    </a:ext>
+                  </a:extLst>
+                </a:gridCol>
+                <a:gridCol w="8000999">
+                  <a:extLst>
+                    <a:ext uri="{9D8B030D-6E8A-4147-A177-3AD203B41FA5}">
+                      <a16:colId xmlns:a16="http://schemas.microsoft.com/office/drawing/2014/main" val="4047776616"/>
+                    </a:ext>
+                  </a:extLst>
+                </a:gridCol>
+              </a:tblGrid>
+              <a:tr h="592351">
+                <a:tc>
+                  <a:txBody>
+                    <a:bodyPr/>
+                    <a:lstStyle/>
+                    <a:p>
+                      <a:pPr algn="l">
+                        <a:lnSpc>
+                          <a:spcPct val="100000"/>
+                        </a:lnSpc>
+                      </a:pPr>
+                      <a:r>
+                        <a:rPr lang="ru-RU" sz="3600" b="0" dirty="0">
+                          <a:solidFill>
+                            <a:schemeClr val="bg1"/>
+                          </a:solidFill>
+                          <a:effectLst/>
+                          <a:latin typeface="Times New Roman" panose="02020603050405020304" pitchFamily="18" charset="0"/>
+                          <a:ea typeface="Calibri" panose="020F0502020204030204" pitchFamily="34" charset="0"/>
+                          <a:cs typeface="Times New Roman" panose="02020603050405020304" pitchFamily="18" charset="0"/>
+                        </a:rPr>
+                        <a:t>Название</a:t>
+                      </a:r>
+                    </a:p>
+                  </a:txBody>
+                  <a:tcPr marL="54720" marR="54720" marT="0" marB="0">
+                    <a:solidFill>
+                      <a:srgbClr val="197BC5"/>
+                    </a:solidFill>
+                  </a:tcPr>
+                </a:tc>
+                <a:tc>
+                  <a:txBody>
+                    <a:bodyPr/>
+                    <a:lstStyle/>
+                    <a:p>
+                      <a:pPr algn="l">
+                        <a:lnSpc>
+                          <a:spcPct val="100000"/>
+                        </a:lnSpc>
+                      </a:pPr>
+                      <a:r>
+                        <a:rPr lang="ru-RU" sz="3600" b="0" dirty="0">
+                          <a:solidFill>
+                            <a:schemeClr val="bg1"/>
+                          </a:solidFill>
+                          <a:effectLst/>
+                          <a:latin typeface="Times New Roman" panose="02020603050405020304" pitchFamily="18" charset="0"/>
+                          <a:ea typeface="Calibri" panose="020F0502020204030204" pitchFamily="34" charset="0"/>
+                          <a:cs typeface="Times New Roman" panose="02020603050405020304" pitchFamily="18" charset="0"/>
+                        </a:rPr>
+                        <a:t>Описание</a:t>
+                      </a:r>
+                    </a:p>
+                  </a:txBody>
+                  <a:tcPr marL="54720" marR="54720" marT="0" marB="0">
+                    <a:solidFill>
+                      <a:srgbClr val="197BC5"/>
+                    </a:solidFill>
+                  </a:tcPr>
+                </a:tc>
+                <a:extLst>
+                  <a:ext uri="{0D108BD9-81ED-4DB2-BD59-A6C34878D82A}">
+                    <a16:rowId xmlns:a16="http://schemas.microsoft.com/office/drawing/2014/main" val="1309979292"/>
+                  </a:ext>
+                </a:extLst>
+              </a:tr>
+              <a:tr h="3074773">
                 <a:tc>
                   <a:txBody>
                     <a:bodyPr/>
@@ -3828,10 +5292,40 @@
           </a:graphicData>
         </a:graphic>
       </p:graphicFrame>
+      <p:pic>
+        <p:nvPicPr>
+          <p:cNvPr id="12" name="Рисунок 11">
+            <a:extLst>
+              <a:ext uri="{FF2B5EF4-FFF2-40B4-BE49-F238E27FC236}">
+                <a16:creationId xmlns:a16="http://schemas.microsoft.com/office/drawing/2014/main" id="{9A81DE51-226C-7ECA-B6F0-E51E111D7F06}"/>
+              </a:ext>
+            </a:extLst>
+          </p:cNvPr>
+          <p:cNvPicPr>
+            <a:picLocks noChangeAspect="1"/>
+          </p:cNvPicPr>
+          <p:nvPr/>
+        </p:nvPicPr>
+        <p:blipFill>
+          <a:blip r:embed="rId2"/>
+          <a:stretch>
+            <a:fillRect/>
+          </a:stretch>
+        </p:blipFill>
+        <p:spPr>
+          <a:xfrm>
+            <a:off x="0" y="4730716"/>
+            <a:ext cx="12192000" cy="2127284"/>
+          </a:xfrm>
+          <a:prstGeom prst="rect">
+            <a:avLst/>
+          </a:prstGeom>
+        </p:spPr>
+      </p:pic>
     </p:spTree>
     <p:extLst>
       <p:ext uri="{BB962C8B-B14F-4D97-AF65-F5344CB8AC3E}">
-        <p14:creationId xmlns:p14="http://schemas.microsoft.com/office/powerpoint/2010/main" val="2775965"/>
+        <p14:creationId xmlns:p14="http://schemas.microsoft.com/office/powerpoint/2010/main" val="1473016314"/>
       </p:ext>
     </p:extLst>
   </p:cSld>
@@ -3841,7 +5335,7 @@
 </p:sld>
 </file>
 
-<file path=ppt/slides/slide11.xml><?xml version="1.0" encoding="utf-8"?>
+<file path=ppt/slides/slide3.xml><?xml version="1.0" encoding="utf-8"?>
 <p:sld xmlns:a="http://schemas.openxmlformats.org/drawingml/2006/main" xmlns:r="http://schemas.openxmlformats.org/officeDocument/2006/relationships" xmlns:p="http://schemas.openxmlformats.org/presentationml/2006/main">
   <p:cSld>
     <p:bg>
@@ -3857,7 +5351,7 @@
         <p:cNvPr id="1" name="">
           <a:extLst>
             <a:ext uri="{FF2B5EF4-FFF2-40B4-BE49-F238E27FC236}">
-              <a16:creationId xmlns:a16="http://schemas.microsoft.com/office/drawing/2014/main" id="{CBFD4617-5E19-0697-FCF9-37CA62D8E966}"/>
+              <a16:creationId xmlns:a16="http://schemas.microsoft.com/office/drawing/2014/main" id="{6CEB3772-105C-58CA-1951-6F8E1D42F8D6}"/>
             </a:ext>
           </a:extLst>
         </p:cNvPr>
@@ -3877,7 +5371,7 @@
           <p:cNvPr id="2" name="Заголовок 1">
             <a:extLst>
               <a:ext uri="{FF2B5EF4-FFF2-40B4-BE49-F238E27FC236}">
-                <a16:creationId xmlns:a16="http://schemas.microsoft.com/office/drawing/2014/main" id="{5ED7F67B-0400-32EF-8F32-8543DEC18CF4}"/>
+                <a16:creationId xmlns:a16="http://schemas.microsoft.com/office/drawing/2014/main" id="{EC40C8D3-CBFA-B00A-BEB9-429CD997BADB}"/>
               </a:ext>
             </a:extLst>
           </p:cNvPr>
@@ -3908,7 +5402,7 @@
                 <a:latin typeface="Times New Roman" panose="02020603050405020304" pitchFamily="18" charset="0"/>
                 <a:cs typeface="Times New Roman" panose="02020603050405020304" pitchFamily="18" charset="0"/>
               </a:rPr>
-              <a:t>Функция 10</a:t>
+              <a:t>Функция 2</a:t>
             </a:r>
           </a:p>
         </p:txBody>
@@ -3918,18 +5412,24 @@
           <p:cNvPr id="4" name="Таблица 3">
             <a:extLst>
               <a:ext uri="{FF2B5EF4-FFF2-40B4-BE49-F238E27FC236}">
-                <a16:creationId xmlns:a16="http://schemas.microsoft.com/office/drawing/2014/main" id="{E0D3A38E-2A77-8636-6C5A-E1096F9DC3C1}"/>
+                <a16:creationId xmlns:a16="http://schemas.microsoft.com/office/drawing/2014/main" id="{69CB9D35-5CDA-29EE-2E32-CBF18B7C720D}"/>
               </a:ext>
             </a:extLst>
           </p:cNvPr>
           <p:cNvGraphicFramePr>
             <a:graphicFrameLocks noGrp="1"/>
           </p:cNvGraphicFramePr>
-          <p:nvPr/>
+          <p:nvPr>
+            <p:extLst>
+              <p:ext uri="{D42A27DB-BD31-4B8C-83A1-F6EECF244321}">
+                <p14:modId xmlns:p14="http://schemas.microsoft.com/office/powerpoint/2010/main" val="426326897"/>
+              </p:ext>
+            </p:extLst>
+          </p:nvPr>
         </p:nvGraphicFramePr>
         <p:xfrm>
           <a:off x="292894" y="1047751"/>
-          <a:ext cx="11606211" cy="4894283"/>
+          <a:ext cx="11606211" cy="2582012"/>
         </p:xfrm>
         <a:graphic>
           <a:graphicData uri="http://schemas.openxmlformats.org/drawingml/2006/table">
@@ -3953,7 +5453,7 @@
                   </a:extLst>
                 </a:gridCol>
               </a:tblGrid>
-              <a:tr h="790574">
+              <a:tr h="509802">
                 <a:tc>
                   <a:txBody>
                     <a:bodyPr/>
@@ -4020,7 +5520,7 @@
                   </a:ext>
                 </a:extLst>
               </a:tr>
-              <a:tr h="4103709">
+              <a:tr h="2033372">
                 <a:tc>
                   <a:txBody>
                     <a:bodyPr/>
@@ -4040,7 +5540,7 @@
                           <a:latin typeface="Times New Roman" panose="02020603050405020304" pitchFamily="18" charset="0"/>
                           <a:cs typeface="Times New Roman" panose="02020603050405020304" pitchFamily="18" charset="0"/>
                         </a:rPr>
-                        <a:t>Добавление новой партии поступившего на склад товара в ИС</a:t>
+                        <a:t>Резервное копирование базы данных</a:t>
                       </a:r>
                       <a:endParaRPr lang="ru-RU" sz="3600" b="0" dirty="0">
                         <a:solidFill>
@@ -4078,7 +5578,7 @@
                           <a:latin typeface="Times New Roman" panose="02020603050405020304" pitchFamily="18" charset="0"/>
                           <a:cs typeface="Times New Roman" panose="02020603050405020304" pitchFamily="18" charset="0"/>
                         </a:rPr>
-                        <a:t>Менеджеру складского учета доступно меню добавления нового товара. Необходимо сначала выбрать тип товара. Затем заполнить информацию о нем и добавить его в ИС.</a:t>
+                        <a:t>Администратор может провести резервное копирование.</a:t>
                       </a:r>
                       <a:endParaRPr lang="ru-RU" sz="3600" b="0" dirty="0">
                         <a:solidFill>
@@ -4107,10 +5607,40 @@
           </a:graphicData>
         </a:graphic>
       </p:graphicFrame>
+      <p:pic>
+        <p:nvPicPr>
+          <p:cNvPr id="9" name="Рисунок 8">
+            <a:extLst>
+              <a:ext uri="{FF2B5EF4-FFF2-40B4-BE49-F238E27FC236}">
+                <a16:creationId xmlns:a16="http://schemas.microsoft.com/office/drawing/2014/main" id="{23909CFF-AE4E-D888-77CF-5FD849780D89}"/>
+              </a:ext>
+            </a:extLst>
+          </p:cNvPr>
+          <p:cNvPicPr>
+            <a:picLocks noChangeAspect="1"/>
+          </p:cNvPicPr>
+          <p:nvPr/>
+        </p:nvPicPr>
+        <p:blipFill>
+          <a:blip r:embed="rId2"/>
+          <a:stretch>
+            <a:fillRect/>
+          </a:stretch>
+        </p:blipFill>
+        <p:spPr>
+          <a:xfrm>
+            <a:off x="2833230" y="4638504"/>
+            <a:ext cx="6525536" cy="1219370"/>
+          </a:xfrm>
+          <a:prstGeom prst="rect">
+            <a:avLst/>
+          </a:prstGeom>
+        </p:spPr>
+      </p:pic>
     </p:spTree>
     <p:extLst>
       <p:ext uri="{BB962C8B-B14F-4D97-AF65-F5344CB8AC3E}">
-        <p14:creationId xmlns:p14="http://schemas.microsoft.com/office/powerpoint/2010/main" val="429005046"/>
+        <p14:creationId xmlns:p14="http://schemas.microsoft.com/office/powerpoint/2010/main" val="333720960"/>
       </p:ext>
     </p:extLst>
   </p:cSld>
@@ -4120,7 +5650,7 @@
 </p:sld>
 </file>
 
-<file path=ppt/slides/slide12.xml><?xml version="1.0" encoding="utf-8"?>
+<file path=ppt/slides/slide4.xml><?xml version="1.0" encoding="utf-8"?>
 <p:sld xmlns:a="http://schemas.openxmlformats.org/drawingml/2006/main" xmlns:r="http://schemas.openxmlformats.org/officeDocument/2006/relationships" xmlns:p="http://schemas.openxmlformats.org/presentationml/2006/main">
   <p:cSld>
     <p:bg>
@@ -4136,7 +5666,7 @@
         <p:cNvPr id="1" name="">
           <a:extLst>
             <a:ext uri="{FF2B5EF4-FFF2-40B4-BE49-F238E27FC236}">
-              <a16:creationId xmlns:a16="http://schemas.microsoft.com/office/drawing/2014/main" id="{EE13DECD-86FF-B6CA-6CE0-FDD8A8A24816}"/>
+              <a16:creationId xmlns:a16="http://schemas.microsoft.com/office/drawing/2014/main" id="{D500ECF4-FECE-D9A4-AD77-582F7A569DA0}"/>
             </a:ext>
           </a:extLst>
         </p:cNvPr>
@@ -4156,7 +5686,7 @@
           <p:cNvPr id="2" name="Заголовок 1">
             <a:extLst>
               <a:ext uri="{FF2B5EF4-FFF2-40B4-BE49-F238E27FC236}">
-                <a16:creationId xmlns:a16="http://schemas.microsoft.com/office/drawing/2014/main" id="{646C8B43-CA07-DC2C-F68D-457DECF8E2AD}"/>
+                <a16:creationId xmlns:a16="http://schemas.microsoft.com/office/drawing/2014/main" id="{4A4927FC-B3E9-9001-20CE-D7ADDA34CCD1}"/>
               </a:ext>
             </a:extLst>
           </p:cNvPr>
@@ -4187,7 +5717,7 @@
                 <a:latin typeface="Times New Roman" panose="02020603050405020304" pitchFamily="18" charset="0"/>
                 <a:cs typeface="Times New Roman" panose="02020603050405020304" pitchFamily="18" charset="0"/>
               </a:rPr>
-              <a:t>Функция 11</a:t>
+              <a:t>Функция 3</a:t>
             </a:r>
           </a:p>
         </p:txBody>
@@ -4197,18 +5727,24 @@
           <p:cNvPr id="4" name="Таблица 3">
             <a:extLst>
               <a:ext uri="{FF2B5EF4-FFF2-40B4-BE49-F238E27FC236}">
-                <a16:creationId xmlns:a16="http://schemas.microsoft.com/office/drawing/2014/main" id="{6031CAEE-B9DB-FAD3-AED0-E4D70B0F548B}"/>
+                <a16:creationId xmlns:a16="http://schemas.microsoft.com/office/drawing/2014/main" id="{A8BD1DB3-8937-6113-6ADD-56D274C19434}"/>
               </a:ext>
             </a:extLst>
           </p:cNvPr>
           <p:cNvGraphicFramePr>
             <a:graphicFrameLocks noGrp="1"/>
           </p:cNvGraphicFramePr>
-          <p:nvPr/>
+          <p:nvPr>
+            <p:extLst>
+              <p:ext uri="{D42A27DB-BD31-4B8C-83A1-F6EECF244321}">
+                <p14:modId xmlns:p14="http://schemas.microsoft.com/office/powerpoint/2010/main" val="504618121"/>
+              </p:ext>
+            </p:extLst>
+          </p:nvPr>
         </p:nvGraphicFramePr>
         <p:xfrm>
-          <a:off x="292894" y="1047751"/>
-          <a:ext cx="11606211" cy="4894283"/>
+          <a:off x="292894" y="1047752"/>
+          <a:ext cx="11606211" cy="2535356"/>
         </p:xfrm>
         <a:graphic>
           <a:graphicData uri="http://schemas.openxmlformats.org/drawingml/2006/table">
@@ -4232,7 +5768,7 @@
                   </a:extLst>
                 </a:gridCol>
               </a:tblGrid>
-              <a:tr h="790574">
+              <a:tr h="496383">
                 <a:tc>
                   <a:txBody>
                     <a:bodyPr/>
@@ -4299,7 +5835,7 @@
                   </a:ext>
                 </a:extLst>
               </a:tr>
-              <a:tr h="4103709">
+              <a:tr h="1986716">
                 <a:tc>
                   <a:txBody>
                     <a:bodyPr/>
@@ -4319,7 +5855,7 @@
                           <a:latin typeface="Times New Roman" panose="02020603050405020304" pitchFamily="18" charset="0"/>
                           <a:cs typeface="Times New Roman" panose="02020603050405020304" pitchFamily="18" charset="0"/>
                         </a:rPr>
-                        <a:t>Добавление новой партии поступившего на склад товара в ИС</a:t>
+                        <a:t>Поиск товара по различным свойствам</a:t>
                       </a:r>
                       <a:endParaRPr lang="ru-RU" sz="3600" b="0" dirty="0">
                         <a:solidFill>
@@ -4355,19 +5891,35 @@
                           </a:solidFill>
                           <a:effectLst/>
                           <a:latin typeface="Times New Roman" panose="02020603050405020304" pitchFamily="18" charset="0"/>
+                          <a:ea typeface="Calibri" panose="020F0502020204030204" pitchFamily="34" charset="0"/>
                           <a:cs typeface="Times New Roman" panose="02020603050405020304" pitchFamily="18" charset="0"/>
                         </a:rPr>
-                        <a:t>Менеджеру складского учета доступно меню добавления нового товара. Необходимо сначала выбрать тип товара. Затем заполнить информацию о нем и добавить его в ИС.</a:t>
+                        <a:t>С помощью фильтров</a:t>
                       </a:r>
-                      <a:endParaRPr lang="ru-RU" sz="3600" b="0" dirty="0">
-                        <a:solidFill>
-                          <a:schemeClr val="bg1"/>
-                        </a:solidFill>
-                        <a:effectLst/>
-                        <a:latin typeface="Times New Roman" panose="02020603050405020304" pitchFamily="18" charset="0"/>
-                        <a:ea typeface="Calibri" panose="020F0502020204030204" pitchFamily="34" charset="0"/>
-                        <a:cs typeface="Times New Roman" panose="02020603050405020304" pitchFamily="18" charset="0"/>
-                      </a:endParaRPr>
+                      <a:r>
+                        <a:rPr lang="en-US" sz="3600" b="0" dirty="0">
+                          <a:solidFill>
+                            <a:schemeClr val="bg1"/>
+                          </a:solidFill>
+                          <a:effectLst/>
+                          <a:latin typeface="Times New Roman" panose="02020603050405020304" pitchFamily="18" charset="0"/>
+                          <a:ea typeface="Calibri" panose="020F0502020204030204" pitchFamily="34" charset="0"/>
+                          <a:cs typeface="Times New Roman" panose="02020603050405020304" pitchFamily="18" charset="0"/>
+                        </a:rPr>
+                        <a:t> </a:t>
+                      </a:r>
+                      <a:r>
+                        <a:rPr lang="ru-RU" sz="3600" b="0" dirty="0">
+                          <a:solidFill>
+                            <a:schemeClr val="bg1"/>
+                          </a:solidFill>
+                          <a:effectLst/>
+                          <a:latin typeface="Times New Roman" panose="02020603050405020304" pitchFamily="18" charset="0"/>
+                          <a:ea typeface="Calibri" panose="020F0502020204030204" pitchFamily="34" charset="0"/>
+                          <a:cs typeface="Times New Roman" panose="02020603050405020304" pitchFamily="18" charset="0"/>
+                        </a:rPr>
+                        <a:t>и ключевых слов  определенный товар может быть найден.</a:t>
+                      </a:r>
                     </a:p>
                   </a:txBody>
                   <a:tcPr marL="54720" marR="54720" marT="0" marB="0">
@@ -4386,10 +5938,40 @@
           </a:graphicData>
         </a:graphic>
       </p:graphicFrame>
+      <p:pic>
+        <p:nvPicPr>
+          <p:cNvPr id="5" name="Рисунок 4">
+            <a:extLst>
+              <a:ext uri="{FF2B5EF4-FFF2-40B4-BE49-F238E27FC236}">
+                <a16:creationId xmlns:a16="http://schemas.microsoft.com/office/drawing/2014/main" id="{1A55DDF5-454D-8139-7AAB-618FE1DD2495}"/>
+              </a:ext>
+            </a:extLst>
+          </p:cNvPr>
+          <p:cNvPicPr>
+            <a:picLocks noChangeAspect="1"/>
+          </p:cNvPicPr>
+          <p:nvPr/>
+        </p:nvPicPr>
+        <p:blipFill>
+          <a:blip r:embed="rId2"/>
+          <a:stretch>
+            <a:fillRect/>
+          </a:stretch>
+        </p:blipFill>
+        <p:spPr>
+          <a:xfrm>
+            <a:off x="0" y="4821055"/>
+            <a:ext cx="12192000" cy="764840"/>
+          </a:xfrm>
+          <a:prstGeom prst="rect">
+            <a:avLst/>
+          </a:prstGeom>
+        </p:spPr>
+      </p:pic>
     </p:spTree>
     <p:extLst>
       <p:ext uri="{BB962C8B-B14F-4D97-AF65-F5344CB8AC3E}">
-        <p14:creationId xmlns:p14="http://schemas.microsoft.com/office/powerpoint/2010/main" val="2712131383"/>
+        <p14:creationId xmlns:p14="http://schemas.microsoft.com/office/powerpoint/2010/main" val="1557943348"/>
       </p:ext>
     </p:extLst>
   </p:cSld>
@@ -4399,7 +5981,7 @@
 </p:sld>
 </file>
 
-<file path=ppt/slides/slide13.xml><?xml version="1.0" encoding="utf-8"?>
+<file path=ppt/slides/slide5.xml><?xml version="1.0" encoding="utf-8"?>
 <p:sld xmlns:a="http://schemas.openxmlformats.org/drawingml/2006/main" xmlns:r="http://schemas.openxmlformats.org/officeDocument/2006/relationships" xmlns:p="http://schemas.openxmlformats.org/presentationml/2006/main">
   <p:cSld>
     <p:bg>
@@ -4415,7 +5997,7 @@
         <p:cNvPr id="1" name="">
           <a:extLst>
             <a:ext uri="{FF2B5EF4-FFF2-40B4-BE49-F238E27FC236}">
-              <a16:creationId xmlns:a16="http://schemas.microsoft.com/office/drawing/2014/main" id="{6E1BB6F3-3532-7810-C5B6-DCE8F7B7D6DF}"/>
+              <a16:creationId xmlns:a16="http://schemas.microsoft.com/office/drawing/2014/main" id="{05476F12-3BA6-D2ED-3C06-7A804158E5B4}"/>
             </a:ext>
           </a:extLst>
         </p:cNvPr>
@@ -4435,7 +6017,7 @@
           <p:cNvPr id="2" name="Заголовок 1">
             <a:extLst>
               <a:ext uri="{FF2B5EF4-FFF2-40B4-BE49-F238E27FC236}">
-                <a16:creationId xmlns:a16="http://schemas.microsoft.com/office/drawing/2014/main" id="{C1D33723-B350-277E-6C8D-7114A81A41EC}"/>
+                <a16:creationId xmlns:a16="http://schemas.microsoft.com/office/drawing/2014/main" id="{841F8339-B962-1388-CAF8-E8FE881270B5}"/>
               </a:ext>
             </a:extLst>
           </p:cNvPr>
@@ -4466,7 +6048,7 @@
                 <a:latin typeface="Times New Roman" panose="02020603050405020304" pitchFamily="18" charset="0"/>
                 <a:cs typeface="Times New Roman" panose="02020603050405020304" pitchFamily="18" charset="0"/>
               </a:rPr>
-              <a:t>Функция 12</a:t>
+              <a:t>Функция 4</a:t>
             </a:r>
           </a:p>
         </p:txBody>
@@ -4476,18 +6058,24 @@
           <p:cNvPr id="4" name="Таблица 3">
             <a:extLst>
               <a:ext uri="{FF2B5EF4-FFF2-40B4-BE49-F238E27FC236}">
-                <a16:creationId xmlns:a16="http://schemas.microsoft.com/office/drawing/2014/main" id="{037D03D1-642F-84CD-E82C-7A18EF9AA9CA}"/>
+                <a16:creationId xmlns:a16="http://schemas.microsoft.com/office/drawing/2014/main" id="{7626A00D-D406-911A-66B9-FA485A689B26}"/>
               </a:ext>
             </a:extLst>
           </p:cNvPr>
           <p:cNvGraphicFramePr>
             <a:graphicFrameLocks noGrp="1"/>
           </p:cNvGraphicFramePr>
-          <p:nvPr/>
+          <p:nvPr>
+            <p:extLst>
+              <p:ext uri="{D42A27DB-BD31-4B8C-83A1-F6EECF244321}">
+                <p14:modId xmlns:p14="http://schemas.microsoft.com/office/powerpoint/2010/main" val="4001783244"/>
+              </p:ext>
+            </p:extLst>
+          </p:nvPr>
         </p:nvGraphicFramePr>
         <p:xfrm>
-          <a:off x="292894" y="1047751"/>
-          <a:ext cx="11606211" cy="4894283"/>
+          <a:off x="292894" y="1047752"/>
+          <a:ext cx="11606211" cy="2551223"/>
         </p:xfrm>
         <a:graphic>
           <a:graphicData uri="http://schemas.openxmlformats.org/drawingml/2006/table">
@@ -4511,7 +6099,7 @@
                   </a:extLst>
                 </a:gridCol>
               </a:tblGrid>
-              <a:tr h="790574">
+              <a:tr h="498623">
                 <a:tc>
                   <a:txBody>
                     <a:bodyPr/>
@@ -4578,7 +6166,7 @@
                   </a:ext>
                 </a:extLst>
               </a:tr>
-              <a:tr h="4103709">
+              <a:tr h="2002583">
                 <a:tc>
                   <a:txBody>
                     <a:bodyPr/>
@@ -4598,7 +6186,7 @@
                           <a:latin typeface="Times New Roman" panose="02020603050405020304" pitchFamily="18" charset="0"/>
                           <a:cs typeface="Times New Roman" panose="02020603050405020304" pitchFamily="18" charset="0"/>
                         </a:rPr>
-                        <a:t>Добавление новой партии поступившего на склад товара в ИС</a:t>
+                        <a:t>Вывод баннера с полным описанием товара</a:t>
                       </a:r>
                       <a:endParaRPr lang="ru-RU" sz="3600" b="0" dirty="0">
                         <a:solidFill>
@@ -4636,1129 +6224,7 @@
                           <a:latin typeface="Times New Roman" panose="02020603050405020304" pitchFamily="18" charset="0"/>
                           <a:cs typeface="Times New Roman" panose="02020603050405020304" pitchFamily="18" charset="0"/>
                         </a:rPr>
-                        <a:t>Менеджеру складского учета доступно меню добавления нового товара. Необходимо сначала выбрать тип товара. Затем заполнить информацию о нем и добавить его в ИС.</a:t>
-                      </a:r>
-                      <a:endParaRPr lang="ru-RU" sz="3600" b="0" dirty="0">
-                        <a:solidFill>
-                          <a:schemeClr val="bg1"/>
-                        </a:solidFill>
-                        <a:effectLst/>
-                        <a:latin typeface="Times New Roman" panose="02020603050405020304" pitchFamily="18" charset="0"/>
-                        <a:ea typeface="Calibri" panose="020F0502020204030204" pitchFamily="34" charset="0"/>
-                        <a:cs typeface="Times New Roman" panose="02020603050405020304" pitchFamily="18" charset="0"/>
-                      </a:endParaRPr>
-                    </a:p>
-                  </a:txBody>
-                  <a:tcPr marL="54720" marR="54720" marT="0" marB="0">
-                    <a:solidFill>
-                      <a:srgbClr val="197BC5"/>
-                    </a:solidFill>
-                  </a:tcPr>
-                </a:tc>
-                <a:extLst>
-                  <a:ext uri="{0D108BD9-81ED-4DB2-BD59-A6C34878D82A}">
-                    <a16:rowId xmlns:a16="http://schemas.microsoft.com/office/drawing/2014/main" val="409142005"/>
-                  </a:ext>
-                </a:extLst>
-              </a:tr>
-            </a:tbl>
-          </a:graphicData>
-        </a:graphic>
-      </p:graphicFrame>
-    </p:spTree>
-    <p:extLst>
-      <p:ext uri="{BB962C8B-B14F-4D97-AF65-F5344CB8AC3E}">
-        <p14:creationId xmlns:p14="http://schemas.microsoft.com/office/powerpoint/2010/main" val="1232873334"/>
-      </p:ext>
-    </p:extLst>
-  </p:cSld>
-  <p:clrMapOvr>
-    <a:masterClrMapping/>
-  </p:clrMapOvr>
-</p:sld>
-</file>
-
-<file path=ppt/slides/slide2.xml><?xml version="1.0" encoding="utf-8"?>
-<p:sld xmlns:a="http://schemas.openxmlformats.org/drawingml/2006/main" xmlns:r="http://schemas.openxmlformats.org/officeDocument/2006/relationships" xmlns:p="http://schemas.openxmlformats.org/presentationml/2006/main">
-  <p:cSld>
-    <p:bg>
-      <p:bgPr>
-        <a:solidFill>
-          <a:srgbClr val="197BC5"/>
-        </a:solidFill>
-        <a:effectLst/>
-      </p:bgPr>
-    </p:bg>
-    <p:spTree>
-      <p:nvGrpSpPr>
-        <p:cNvPr id="1" name="">
-          <a:extLst>
-            <a:ext uri="{FF2B5EF4-FFF2-40B4-BE49-F238E27FC236}">
-              <a16:creationId xmlns:a16="http://schemas.microsoft.com/office/drawing/2014/main" id="{25B45DC3-6A77-4FC1-C9CF-FCD20716CCFD}"/>
-            </a:ext>
-          </a:extLst>
-        </p:cNvPr>
-        <p:cNvGrpSpPr/>
-        <p:nvPr/>
-      </p:nvGrpSpPr>
-      <p:grpSpPr>
-        <a:xfrm>
-          <a:off x="0" y="0"/>
-          <a:ext cx="0" cy="0"/>
-          <a:chOff x="0" y="0"/>
-          <a:chExt cx="0" cy="0"/>
-        </a:xfrm>
-      </p:grpSpPr>
-      <p:sp>
-        <p:nvSpPr>
-          <p:cNvPr id="2" name="Заголовок 1">
-            <a:extLst>
-              <a:ext uri="{FF2B5EF4-FFF2-40B4-BE49-F238E27FC236}">
-                <a16:creationId xmlns:a16="http://schemas.microsoft.com/office/drawing/2014/main" id="{84FF62C8-CB82-5319-D645-101C4435A5D6}"/>
-              </a:ext>
-            </a:extLst>
-          </p:cNvPr>
-          <p:cNvSpPr>
-            <a:spLocks noGrp="1"/>
-          </p:cNvSpPr>
-          <p:nvPr>
-            <p:ph type="ctrTitle"/>
-          </p:nvPr>
-        </p:nvSpPr>
-        <p:spPr>
-          <a:xfrm>
-            <a:off x="504824" y="12723"/>
-            <a:ext cx="11182349" cy="790574"/>
-          </a:xfrm>
-        </p:spPr>
-        <p:txBody>
-          <a:bodyPr>
-            <a:normAutofit/>
-          </a:bodyPr>
-          <a:lstStyle/>
-          <a:p>
-            <a:r>
-              <a:rPr lang="ru-RU" sz="3600" dirty="0">
-                <a:solidFill>
-                  <a:schemeClr val="bg1"/>
-                </a:solidFill>
-                <a:latin typeface="Times New Roman" panose="02020603050405020304" pitchFamily="18" charset="0"/>
-                <a:cs typeface="Times New Roman" panose="02020603050405020304" pitchFamily="18" charset="0"/>
-              </a:rPr>
-              <a:t>Функция 1</a:t>
-            </a:r>
-          </a:p>
-        </p:txBody>
-      </p:sp>
-      <p:graphicFrame>
-        <p:nvGraphicFramePr>
-          <p:cNvPr id="4" name="Таблица 3">
-            <a:extLst>
-              <a:ext uri="{FF2B5EF4-FFF2-40B4-BE49-F238E27FC236}">
-                <a16:creationId xmlns:a16="http://schemas.microsoft.com/office/drawing/2014/main" id="{05195A96-2D01-7F8A-BA85-278B873812C8}"/>
-              </a:ext>
-            </a:extLst>
-          </p:cNvPr>
-          <p:cNvGraphicFramePr>
-            <a:graphicFrameLocks noGrp="1"/>
-          </p:cNvGraphicFramePr>
-          <p:nvPr>
-            <p:extLst>
-              <p:ext uri="{D42A27DB-BD31-4B8C-83A1-F6EECF244321}">
-                <p14:modId xmlns:p14="http://schemas.microsoft.com/office/powerpoint/2010/main" val="3992812013"/>
-              </p:ext>
-            </p:extLst>
-          </p:nvPr>
-        </p:nvGraphicFramePr>
-        <p:xfrm>
-          <a:off x="292894" y="1047751"/>
-          <a:ext cx="11606211" cy="4894283"/>
-        </p:xfrm>
-        <a:graphic>
-          <a:graphicData uri="http://schemas.openxmlformats.org/drawingml/2006/table">
-            <a:tbl>
-              <a:tblPr firstRow="1" firstCol="1" bandRow="1">
-                <a:tableStyleId>{5C22544A-7EE6-4342-B048-85BDC9FD1C3A}</a:tableStyleId>
-              </a:tblPr>
-              <a:tblGrid>
-                <a:gridCol w="3605212">
-                  <a:extLst>
-                    <a:ext uri="{9D8B030D-6E8A-4147-A177-3AD203B41FA5}">
-                      <a16:colId xmlns:a16="http://schemas.microsoft.com/office/drawing/2014/main" val="1852623876"/>
-                    </a:ext>
-                  </a:extLst>
-                </a:gridCol>
-                <a:gridCol w="8000999">
-                  <a:extLst>
-                    <a:ext uri="{9D8B030D-6E8A-4147-A177-3AD203B41FA5}">
-                      <a16:colId xmlns:a16="http://schemas.microsoft.com/office/drawing/2014/main" val="4047776616"/>
-                    </a:ext>
-                  </a:extLst>
-                </a:gridCol>
-              </a:tblGrid>
-              <a:tr h="790574">
-                <a:tc>
-                  <a:txBody>
-                    <a:bodyPr/>
-                    <a:lstStyle/>
-                    <a:p>
-                      <a:pPr algn="l">
-                        <a:lnSpc>
-                          <a:spcPct val="100000"/>
-                        </a:lnSpc>
-                      </a:pPr>
-                      <a:r>
-                        <a:rPr lang="ru-RU" sz="3600" b="0" dirty="0">
-                          <a:solidFill>
-                            <a:schemeClr val="bg1"/>
-                          </a:solidFill>
-                          <a:effectLst/>
-                          <a:latin typeface="Times New Roman" panose="02020603050405020304" pitchFamily="18" charset="0"/>
-                          <a:ea typeface="Calibri" panose="020F0502020204030204" pitchFamily="34" charset="0"/>
-                          <a:cs typeface="Times New Roman" panose="02020603050405020304" pitchFamily="18" charset="0"/>
-                        </a:rPr>
-                        <a:t>Название</a:t>
-                      </a:r>
-                    </a:p>
-                  </a:txBody>
-                  <a:tcPr marL="54720" marR="54720" marT="0" marB="0">
-                    <a:solidFill>
-                      <a:srgbClr val="197BC5"/>
-                    </a:solidFill>
-                  </a:tcPr>
-                </a:tc>
-                <a:tc>
-                  <a:txBody>
-                    <a:bodyPr/>
-                    <a:lstStyle/>
-                    <a:p>
-                      <a:pPr algn="l">
-                        <a:lnSpc>
-                          <a:spcPct val="100000"/>
-                        </a:lnSpc>
-                      </a:pPr>
-                      <a:r>
-                        <a:rPr lang="ru-RU" sz="3600" b="0" dirty="0">
-                          <a:solidFill>
-                            <a:schemeClr val="bg1"/>
-                          </a:solidFill>
-                          <a:effectLst/>
-                          <a:latin typeface="Times New Roman" panose="02020603050405020304" pitchFamily="18" charset="0"/>
-                          <a:ea typeface="Calibri" panose="020F0502020204030204" pitchFamily="34" charset="0"/>
-                          <a:cs typeface="Times New Roman" panose="02020603050405020304" pitchFamily="18" charset="0"/>
-                        </a:rPr>
-                        <a:t>Описание</a:t>
-                      </a:r>
-                    </a:p>
-                  </a:txBody>
-                  <a:tcPr marL="54720" marR="54720" marT="0" marB="0">
-                    <a:solidFill>
-                      <a:srgbClr val="197BC5"/>
-                    </a:solidFill>
-                  </a:tcPr>
-                </a:tc>
-                <a:extLst>
-                  <a:ext uri="{0D108BD9-81ED-4DB2-BD59-A6C34878D82A}">
-                    <a16:rowId xmlns:a16="http://schemas.microsoft.com/office/drawing/2014/main" val="1309979292"/>
-                  </a:ext>
-                </a:extLst>
-              </a:tr>
-              <a:tr h="4103709">
-                <a:tc>
-                  <a:txBody>
-                    <a:bodyPr/>
-                    <a:lstStyle/>
-                    <a:p>
-                      <a:pPr algn="l">
-                        <a:lnSpc>
-                          <a:spcPct val="100000"/>
-                        </a:lnSpc>
-                      </a:pPr>
-                      <a:r>
-                        <a:rPr lang="ru-RU" sz="3600" b="0" dirty="0">
-                          <a:solidFill>
-                            <a:schemeClr val="bg1"/>
-                          </a:solidFill>
-                          <a:effectLst/>
-                          <a:latin typeface="Times New Roman" panose="02020603050405020304" pitchFamily="18" charset="0"/>
-                          <a:cs typeface="Times New Roman" panose="02020603050405020304" pitchFamily="18" charset="0"/>
-                        </a:rPr>
-                        <a:t>Добавление новой партии поступившего на склад товара в ИС</a:t>
-                      </a:r>
-                      <a:endParaRPr lang="ru-RU" sz="3600" b="0" dirty="0">
-                        <a:solidFill>
-                          <a:schemeClr val="bg1"/>
-                        </a:solidFill>
-                        <a:effectLst/>
-                        <a:latin typeface="Times New Roman" panose="02020603050405020304" pitchFamily="18" charset="0"/>
-                        <a:ea typeface="Calibri" panose="020F0502020204030204" pitchFamily="34" charset="0"/>
-                        <a:cs typeface="Times New Roman" panose="02020603050405020304" pitchFamily="18" charset="0"/>
-                      </a:endParaRPr>
-                    </a:p>
-                  </a:txBody>
-                  <a:tcPr marL="54720" marR="54720" marT="0" marB="0">
-                    <a:solidFill>
-                      <a:srgbClr val="197BC5"/>
-                    </a:solidFill>
-                  </a:tcPr>
-                </a:tc>
-                <a:tc>
-                  <a:txBody>
-                    <a:bodyPr/>
-                    <a:lstStyle/>
-                    <a:p>
-                      <a:pPr algn="l">
-                        <a:lnSpc>
-                          <a:spcPct val="100000"/>
-                        </a:lnSpc>
-                      </a:pPr>
-                      <a:r>
-                        <a:rPr lang="ru-RU" sz="3600" b="0" dirty="0">
-                          <a:solidFill>
-                            <a:schemeClr val="bg1"/>
-                          </a:solidFill>
-                          <a:effectLst/>
-                          <a:latin typeface="Times New Roman" panose="02020603050405020304" pitchFamily="18" charset="0"/>
-                          <a:cs typeface="Times New Roman" panose="02020603050405020304" pitchFamily="18" charset="0"/>
-                        </a:rPr>
-                        <a:t>Менеджеру складского учета доступно меню добавления нового товара. Необходимо сначала выбрать тип товара. Затем заполнить информацию о нем и добавить его в ИС.</a:t>
-                      </a:r>
-                      <a:endParaRPr lang="ru-RU" sz="3600" b="0" dirty="0">
-                        <a:solidFill>
-                          <a:schemeClr val="bg1"/>
-                        </a:solidFill>
-                        <a:effectLst/>
-                        <a:latin typeface="Times New Roman" panose="02020603050405020304" pitchFamily="18" charset="0"/>
-                        <a:ea typeface="Calibri" panose="020F0502020204030204" pitchFamily="34" charset="0"/>
-                        <a:cs typeface="Times New Roman" panose="02020603050405020304" pitchFamily="18" charset="0"/>
-                      </a:endParaRPr>
-                    </a:p>
-                  </a:txBody>
-                  <a:tcPr marL="54720" marR="54720" marT="0" marB="0">
-                    <a:solidFill>
-                      <a:srgbClr val="197BC5"/>
-                    </a:solidFill>
-                  </a:tcPr>
-                </a:tc>
-                <a:extLst>
-                  <a:ext uri="{0D108BD9-81ED-4DB2-BD59-A6C34878D82A}">
-                    <a16:rowId xmlns:a16="http://schemas.microsoft.com/office/drawing/2014/main" val="409142005"/>
-                  </a:ext>
-                </a:extLst>
-              </a:tr>
-            </a:tbl>
-          </a:graphicData>
-        </a:graphic>
-      </p:graphicFrame>
-    </p:spTree>
-    <p:extLst>
-      <p:ext uri="{BB962C8B-B14F-4D97-AF65-F5344CB8AC3E}">
-        <p14:creationId xmlns:p14="http://schemas.microsoft.com/office/powerpoint/2010/main" val="1473016314"/>
-      </p:ext>
-    </p:extLst>
-  </p:cSld>
-  <p:clrMapOvr>
-    <a:masterClrMapping/>
-  </p:clrMapOvr>
-</p:sld>
-</file>
-
-<file path=ppt/slides/slide3.xml><?xml version="1.0" encoding="utf-8"?>
-<p:sld xmlns:a="http://schemas.openxmlformats.org/drawingml/2006/main" xmlns:r="http://schemas.openxmlformats.org/officeDocument/2006/relationships" xmlns:p="http://schemas.openxmlformats.org/presentationml/2006/main">
-  <p:cSld>
-    <p:bg>
-      <p:bgPr>
-        <a:solidFill>
-          <a:srgbClr val="197BC5"/>
-        </a:solidFill>
-        <a:effectLst/>
-      </p:bgPr>
-    </p:bg>
-    <p:spTree>
-      <p:nvGrpSpPr>
-        <p:cNvPr id="1" name="">
-          <a:extLst>
-            <a:ext uri="{FF2B5EF4-FFF2-40B4-BE49-F238E27FC236}">
-              <a16:creationId xmlns:a16="http://schemas.microsoft.com/office/drawing/2014/main" id="{6CEB3772-105C-58CA-1951-6F8E1D42F8D6}"/>
-            </a:ext>
-          </a:extLst>
-        </p:cNvPr>
-        <p:cNvGrpSpPr/>
-        <p:nvPr/>
-      </p:nvGrpSpPr>
-      <p:grpSpPr>
-        <a:xfrm>
-          <a:off x="0" y="0"/>
-          <a:ext cx="0" cy="0"/>
-          <a:chOff x="0" y="0"/>
-          <a:chExt cx="0" cy="0"/>
-        </a:xfrm>
-      </p:grpSpPr>
-      <p:sp>
-        <p:nvSpPr>
-          <p:cNvPr id="2" name="Заголовок 1">
-            <a:extLst>
-              <a:ext uri="{FF2B5EF4-FFF2-40B4-BE49-F238E27FC236}">
-                <a16:creationId xmlns:a16="http://schemas.microsoft.com/office/drawing/2014/main" id="{EC40C8D3-CBFA-B00A-BEB9-429CD997BADB}"/>
-              </a:ext>
-            </a:extLst>
-          </p:cNvPr>
-          <p:cNvSpPr>
-            <a:spLocks noGrp="1"/>
-          </p:cNvSpPr>
-          <p:nvPr>
-            <p:ph type="ctrTitle"/>
-          </p:nvPr>
-        </p:nvSpPr>
-        <p:spPr>
-          <a:xfrm>
-            <a:off x="504824" y="12723"/>
-            <a:ext cx="11182349" cy="790574"/>
-          </a:xfrm>
-        </p:spPr>
-        <p:txBody>
-          <a:bodyPr>
-            <a:normAutofit/>
-          </a:bodyPr>
-          <a:lstStyle/>
-          <a:p>
-            <a:r>
-              <a:rPr lang="ru-RU" sz="3600" dirty="0">
-                <a:solidFill>
-                  <a:schemeClr val="bg1"/>
-                </a:solidFill>
-                <a:latin typeface="Times New Roman" panose="02020603050405020304" pitchFamily="18" charset="0"/>
-                <a:cs typeface="Times New Roman" panose="02020603050405020304" pitchFamily="18" charset="0"/>
-              </a:rPr>
-              <a:t>Функция 2</a:t>
-            </a:r>
-          </a:p>
-        </p:txBody>
-      </p:sp>
-      <p:graphicFrame>
-        <p:nvGraphicFramePr>
-          <p:cNvPr id="4" name="Таблица 3">
-            <a:extLst>
-              <a:ext uri="{FF2B5EF4-FFF2-40B4-BE49-F238E27FC236}">
-                <a16:creationId xmlns:a16="http://schemas.microsoft.com/office/drawing/2014/main" id="{69CB9D35-5CDA-29EE-2E32-CBF18B7C720D}"/>
-              </a:ext>
-            </a:extLst>
-          </p:cNvPr>
-          <p:cNvGraphicFramePr>
-            <a:graphicFrameLocks noGrp="1"/>
-          </p:cNvGraphicFramePr>
-          <p:nvPr/>
-        </p:nvGraphicFramePr>
-        <p:xfrm>
-          <a:off x="292894" y="1047751"/>
-          <a:ext cx="11606211" cy="4894283"/>
-        </p:xfrm>
-        <a:graphic>
-          <a:graphicData uri="http://schemas.openxmlformats.org/drawingml/2006/table">
-            <a:tbl>
-              <a:tblPr firstRow="1" firstCol="1" bandRow="1">
-                <a:tableStyleId>{5C22544A-7EE6-4342-B048-85BDC9FD1C3A}</a:tableStyleId>
-              </a:tblPr>
-              <a:tblGrid>
-                <a:gridCol w="3605212">
-                  <a:extLst>
-                    <a:ext uri="{9D8B030D-6E8A-4147-A177-3AD203B41FA5}">
-                      <a16:colId xmlns:a16="http://schemas.microsoft.com/office/drawing/2014/main" val="1852623876"/>
-                    </a:ext>
-                  </a:extLst>
-                </a:gridCol>
-                <a:gridCol w="8000999">
-                  <a:extLst>
-                    <a:ext uri="{9D8B030D-6E8A-4147-A177-3AD203B41FA5}">
-                      <a16:colId xmlns:a16="http://schemas.microsoft.com/office/drawing/2014/main" val="4047776616"/>
-                    </a:ext>
-                  </a:extLst>
-                </a:gridCol>
-              </a:tblGrid>
-              <a:tr h="790574">
-                <a:tc>
-                  <a:txBody>
-                    <a:bodyPr/>
-                    <a:lstStyle/>
-                    <a:p>
-                      <a:pPr algn="l">
-                        <a:lnSpc>
-                          <a:spcPct val="100000"/>
-                        </a:lnSpc>
-                      </a:pPr>
-                      <a:r>
-                        <a:rPr lang="ru-RU" sz="3600" b="0" dirty="0">
-                          <a:solidFill>
-                            <a:schemeClr val="bg1"/>
-                          </a:solidFill>
-                          <a:effectLst/>
-                          <a:latin typeface="Times New Roman" panose="02020603050405020304" pitchFamily="18" charset="0"/>
-                          <a:ea typeface="Calibri" panose="020F0502020204030204" pitchFamily="34" charset="0"/>
-                          <a:cs typeface="Times New Roman" panose="02020603050405020304" pitchFamily="18" charset="0"/>
-                        </a:rPr>
-                        <a:t>Название</a:t>
-                      </a:r>
-                    </a:p>
-                  </a:txBody>
-                  <a:tcPr marL="54720" marR="54720" marT="0" marB="0">
-                    <a:solidFill>
-                      <a:srgbClr val="197BC5"/>
-                    </a:solidFill>
-                  </a:tcPr>
-                </a:tc>
-                <a:tc>
-                  <a:txBody>
-                    <a:bodyPr/>
-                    <a:lstStyle/>
-                    <a:p>
-                      <a:pPr algn="l">
-                        <a:lnSpc>
-                          <a:spcPct val="100000"/>
-                        </a:lnSpc>
-                      </a:pPr>
-                      <a:r>
-                        <a:rPr lang="ru-RU" sz="3600" b="0" dirty="0">
-                          <a:solidFill>
-                            <a:schemeClr val="bg1"/>
-                          </a:solidFill>
-                          <a:effectLst/>
-                          <a:latin typeface="Times New Roman" panose="02020603050405020304" pitchFamily="18" charset="0"/>
-                          <a:ea typeface="Calibri" panose="020F0502020204030204" pitchFamily="34" charset="0"/>
-                          <a:cs typeface="Times New Roman" panose="02020603050405020304" pitchFamily="18" charset="0"/>
-                        </a:rPr>
-                        <a:t>Описание</a:t>
-                      </a:r>
-                    </a:p>
-                  </a:txBody>
-                  <a:tcPr marL="54720" marR="54720" marT="0" marB="0">
-                    <a:solidFill>
-                      <a:srgbClr val="197BC5"/>
-                    </a:solidFill>
-                  </a:tcPr>
-                </a:tc>
-                <a:extLst>
-                  <a:ext uri="{0D108BD9-81ED-4DB2-BD59-A6C34878D82A}">
-                    <a16:rowId xmlns:a16="http://schemas.microsoft.com/office/drawing/2014/main" val="1309979292"/>
-                  </a:ext>
-                </a:extLst>
-              </a:tr>
-              <a:tr h="4103709">
-                <a:tc>
-                  <a:txBody>
-                    <a:bodyPr/>
-                    <a:lstStyle/>
-                    <a:p>
-                      <a:pPr algn="l">
-                        <a:lnSpc>
-                          <a:spcPct val="100000"/>
-                        </a:lnSpc>
-                      </a:pPr>
-                      <a:r>
-                        <a:rPr lang="ru-RU" sz="3600" b="0" dirty="0">
-                          <a:solidFill>
-                            <a:schemeClr val="bg1"/>
-                          </a:solidFill>
-                          <a:effectLst/>
-                          <a:latin typeface="Times New Roman" panose="02020603050405020304" pitchFamily="18" charset="0"/>
-                          <a:cs typeface="Times New Roman" panose="02020603050405020304" pitchFamily="18" charset="0"/>
-                        </a:rPr>
-                        <a:t>Добавление новой партии поступившего на склад товара в ИС</a:t>
-                      </a:r>
-                      <a:endParaRPr lang="ru-RU" sz="3600" b="0" dirty="0">
-                        <a:solidFill>
-                          <a:schemeClr val="bg1"/>
-                        </a:solidFill>
-                        <a:effectLst/>
-                        <a:latin typeface="Times New Roman" panose="02020603050405020304" pitchFamily="18" charset="0"/>
-                        <a:ea typeface="Calibri" panose="020F0502020204030204" pitchFamily="34" charset="0"/>
-                        <a:cs typeface="Times New Roman" panose="02020603050405020304" pitchFamily="18" charset="0"/>
-                      </a:endParaRPr>
-                    </a:p>
-                  </a:txBody>
-                  <a:tcPr marL="54720" marR="54720" marT="0" marB="0">
-                    <a:solidFill>
-                      <a:srgbClr val="197BC5"/>
-                    </a:solidFill>
-                  </a:tcPr>
-                </a:tc>
-                <a:tc>
-                  <a:txBody>
-                    <a:bodyPr/>
-                    <a:lstStyle/>
-                    <a:p>
-                      <a:pPr algn="l">
-                        <a:lnSpc>
-                          <a:spcPct val="100000"/>
-                        </a:lnSpc>
-                      </a:pPr>
-                      <a:r>
-                        <a:rPr lang="ru-RU" sz="3600" b="0" dirty="0">
-                          <a:solidFill>
-                            <a:schemeClr val="bg1"/>
-                          </a:solidFill>
-                          <a:effectLst/>
-                          <a:latin typeface="Times New Roman" panose="02020603050405020304" pitchFamily="18" charset="0"/>
-                          <a:cs typeface="Times New Roman" panose="02020603050405020304" pitchFamily="18" charset="0"/>
-                        </a:rPr>
-                        <a:t>Менеджеру складского учета доступно меню добавления нового товара. Необходимо сначала выбрать тип товара. Затем заполнить информацию о нем и добавить его в ИС.</a:t>
-                      </a:r>
-                      <a:endParaRPr lang="ru-RU" sz="3600" b="0" dirty="0">
-                        <a:solidFill>
-                          <a:schemeClr val="bg1"/>
-                        </a:solidFill>
-                        <a:effectLst/>
-                        <a:latin typeface="Times New Roman" panose="02020603050405020304" pitchFamily="18" charset="0"/>
-                        <a:ea typeface="Calibri" panose="020F0502020204030204" pitchFamily="34" charset="0"/>
-                        <a:cs typeface="Times New Roman" panose="02020603050405020304" pitchFamily="18" charset="0"/>
-                      </a:endParaRPr>
-                    </a:p>
-                  </a:txBody>
-                  <a:tcPr marL="54720" marR="54720" marT="0" marB="0">
-                    <a:solidFill>
-                      <a:srgbClr val="197BC5"/>
-                    </a:solidFill>
-                  </a:tcPr>
-                </a:tc>
-                <a:extLst>
-                  <a:ext uri="{0D108BD9-81ED-4DB2-BD59-A6C34878D82A}">
-                    <a16:rowId xmlns:a16="http://schemas.microsoft.com/office/drawing/2014/main" val="409142005"/>
-                  </a:ext>
-                </a:extLst>
-              </a:tr>
-            </a:tbl>
-          </a:graphicData>
-        </a:graphic>
-      </p:graphicFrame>
-    </p:spTree>
-    <p:extLst>
-      <p:ext uri="{BB962C8B-B14F-4D97-AF65-F5344CB8AC3E}">
-        <p14:creationId xmlns:p14="http://schemas.microsoft.com/office/powerpoint/2010/main" val="333720960"/>
-      </p:ext>
-    </p:extLst>
-  </p:cSld>
-  <p:clrMapOvr>
-    <a:masterClrMapping/>
-  </p:clrMapOvr>
-</p:sld>
-</file>
-
-<file path=ppt/slides/slide4.xml><?xml version="1.0" encoding="utf-8"?>
-<p:sld xmlns:a="http://schemas.openxmlformats.org/drawingml/2006/main" xmlns:r="http://schemas.openxmlformats.org/officeDocument/2006/relationships" xmlns:p="http://schemas.openxmlformats.org/presentationml/2006/main">
-  <p:cSld>
-    <p:bg>
-      <p:bgPr>
-        <a:solidFill>
-          <a:srgbClr val="197BC5"/>
-        </a:solidFill>
-        <a:effectLst/>
-      </p:bgPr>
-    </p:bg>
-    <p:spTree>
-      <p:nvGrpSpPr>
-        <p:cNvPr id="1" name="">
-          <a:extLst>
-            <a:ext uri="{FF2B5EF4-FFF2-40B4-BE49-F238E27FC236}">
-              <a16:creationId xmlns:a16="http://schemas.microsoft.com/office/drawing/2014/main" id="{D500ECF4-FECE-D9A4-AD77-582F7A569DA0}"/>
-            </a:ext>
-          </a:extLst>
-        </p:cNvPr>
-        <p:cNvGrpSpPr/>
-        <p:nvPr/>
-      </p:nvGrpSpPr>
-      <p:grpSpPr>
-        <a:xfrm>
-          <a:off x="0" y="0"/>
-          <a:ext cx="0" cy="0"/>
-          <a:chOff x="0" y="0"/>
-          <a:chExt cx="0" cy="0"/>
-        </a:xfrm>
-      </p:grpSpPr>
-      <p:sp>
-        <p:nvSpPr>
-          <p:cNvPr id="2" name="Заголовок 1">
-            <a:extLst>
-              <a:ext uri="{FF2B5EF4-FFF2-40B4-BE49-F238E27FC236}">
-                <a16:creationId xmlns:a16="http://schemas.microsoft.com/office/drawing/2014/main" id="{4A4927FC-B3E9-9001-20CE-D7ADDA34CCD1}"/>
-              </a:ext>
-            </a:extLst>
-          </p:cNvPr>
-          <p:cNvSpPr>
-            <a:spLocks noGrp="1"/>
-          </p:cNvSpPr>
-          <p:nvPr>
-            <p:ph type="ctrTitle"/>
-          </p:nvPr>
-        </p:nvSpPr>
-        <p:spPr>
-          <a:xfrm>
-            <a:off x="504824" y="12723"/>
-            <a:ext cx="11182349" cy="790574"/>
-          </a:xfrm>
-        </p:spPr>
-        <p:txBody>
-          <a:bodyPr>
-            <a:normAutofit/>
-          </a:bodyPr>
-          <a:lstStyle/>
-          <a:p>
-            <a:r>
-              <a:rPr lang="ru-RU" sz="3600" dirty="0">
-                <a:solidFill>
-                  <a:schemeClr val="bg1"/>
-                </a:solidFill>
-                <a:latin typeface="Times New Roman" panose="02020603050405020304" pitchFamily="18" charset="0"/>
-                <a:cs typeface="Times New Roman" panose="02020603050405020304" pitchFamily="18" charset="0"/>
-              </a:rPr>
-              <a:t>Функция 3</a:t>
-            </a:r>
-          </a:p>
-        </p:txBody>
-      </p:sp>
-      <p:graphicFrame>
-        <p:nvGraphicFramePr>
-          <p:cNvPr id="4" name="Таблица 3">
-            <a:extLst>
-              <a:ext uri="{FF2B5EF4-FFF2-40B4-BE49-F238E27FC236}">
-                <a16:creationId xmlns:a16="http://schemas.microsoft.com/office/drawing/2014/main" id="{A8BD1DB3-8937-6113-6ADD-56D274C19434}"/>
-              </a:ext>
-            </a:extLst>
-          </p:cNvPr>
-          <p:cNvGraphicFramePr>
-            <a:graphicFrameLocks noGrp="1"/>
-          </p:cNvGraphicFramePr>
-          <p:nvPr/>
-        </p:nvGraphicFramePr>
-        <p:xfrm>
-          <a:off x="292894" y="1047751"/>
-          <a:ext cx="11606211" cy="4894283"/>
-        </p:xfrm>
-        <a:graphic>
-          <a:graphicData uri="http://schemas.openxmlformats.org/drawingml/2006/table">
-            <a:tbl>
-              <a:tblPr firstRow="1" firstCol="1" bandRow="1">
-                <a:tableStyleId>{5C22544A-7EE6-4342-B048-85BDC9FD1C3A}</a:tableStyleId>
-              </a:tblPr>
-              <a:tblGrid>
-                <a:gridCol w="3605212">
-                  <a:extLst>
-                    <a:ext uri="{9D8B030D-6E8A-4147-A177-3AD203B41FA5}">
-                      <a16:colId xmlns:a16="http://schemas.microsoft.com/office/drawing/2014/main" val="1852623876"/>
-                    </a:ext>
-                  </a:extLst>
-                </a:gridCol>
-                <a:gridCol w="8000999">
-                  <a:extLst>
-                    <a:ext uri="{9D8B030D-6E8A-4147-A177-3AD203B41FA5}">
-                      <a16:colId xmlns:a16="http://schemas.microsoft.com/office/drawing/2014/main" val="4047776616"/>
-                    </a:ext>
-                  </a:extLst>
-                </a:gridCol>
-              </a:tblGrid>
-              <a:tr h="790574">
-                <a:tc>
-                  <a:txBody>
-                    <a:bodyPr/>
-                    <a:lstStyle/>
-                    <a:p>
-                      <a:pPr algn="l">
-                        <a:lnSpc>
-                          <a:spcPct val="100000"/>
-                        </a:lnSpc>
-                      </a:pPr>
-                      <a:r>
-                        <a:rPr lang="ru-RU" sz="3600" b="0" dirty="0">
-                          <a:solidFill>
-                            <a:schemeClr val="bg1"/>
-                          </a:solidFill>
-                          <a:effectLst/>
-                          <a:latin typeface="Times New Roman" panose="02020603050405020304" pitchFamily="18" charset="0"/>
-                          <a:ea typeface="Calibri" panose="020F0502020204030204" pitchFamily="34" charset="0"/>
-                          <a:cs typeface="Times New Roman" panose="02020603050405020304" pitchFamily="18" charset="0"/>
-                        </a:rPr>
-                        <a:t>Название</a:t>
-                      </a:r>
-                    </a:p>
-                  </a:txBody>
-                  <a:tcPr marL="54720" marR="54720" marT="0" marB="0">
-                    <a:solidFill>
-                      <a:srgbClr val="197BC5"/>
-                    </a:solidFill>
-                  </a:tcPr>
-                </a:tc>
-                <a:tc>
-                  <a:txBody>
-                    <a:bodyPr/>
-                    <a:lstStyle/>
-                    <a:p>
-                      <a:pPr algn="l">
-                        <a:lnSpc>
-                          <a:spcPct val="100000"/>
-                        </a:lnSpc>
-                      </a:pPr>
-                      <a:r>
-                        <a:rPr lang="ru-RU" sz="3600" b="0" dirty="0">
-                          <a:solidFill>
-                            <a:schemeClr val="bg1"/>
-                          </a:solidFill>
-                          <a:effectLst/>
-                          <a:latin typeface="Times New Roman" panose="02020603050405020304" pitchFamily="18" charset="0"/>
-                          <a:ea typeface="Calibri" panose="020F0502020204030204" pitchFamily="34" charset="0"/>
-                          <a:cs typeface="Times New Roman" panose="02020603050405020304" pitchFamily="18" charset="0"/>
-                        </a:rPr>
-                        <a:t>Описание</a:t>
-                      </a:r>
-                    </a:p>
-                  </a:txBody>
-                  <a:tcPr marL="54720" marR="54720" marT="0" marB="0">
-                    <a:solidFill>
-                      <a:srgbClr val="197BC5"/>
-                    </a:solidFill>
-                  </a:tcPr>
-                </a:tc>
-                <a:extLst>
-                  <a:ext uri="{0D108BD9-81ED-4DB2-BD59-A6C34878D82A}">
-                    <a16:rowId xmlns:a16="http://schemas.microsoft.com/office/drawing/2014/main" val="1309979292"/>
-                  </a:ext>
-                </a:extLst>
-              </a:tr>
-              <a:tr h="4103709">
-                <a:tc>
-                  <a:txBody>
-                    <a:bodyPr/>
-                    <a:lstStyle/>
-                    <a:p>
-                      <a:pPr algn="l">
-                        <a:lnSpc>
-                          <a:spcPct val="100000"/>
-                        </a:lnSpc>
-                      </a:pPr>
-                      <a:r>
-                        <a:rPr lang="ru-RU" sz="3600" b="0" dirty="0">
-                          <a:solidFill>
-                            <a:schemeClr val="bg1"/>
-                          </a:solidFill>
-                          <a:effectLst/>
-                          <a:latin typeface="Times New Roman" panose="02020603050405020304" pitchFamily="18" charset="0"/>
-                          <a:cs typeface="Times New Roman" panose="02020603050405020304" pitchFamily="18" charset="0"/>
-                        </a:rPr>
-                        <a:t>Добавление новой партии поступившего на склад товара в ИС</a:t>
-                      </a:r>
-                      <a:endParaRPr lang="ru-RU" sz="3600" b="0" dirty="0">
-                        <a:solidFill>
-                          <a:schemeClr val="bg1"/>
-                        </a:solidFill>
-                        <a:effectLst/>
-                        <a:latin typeface="Times New Roman" panose="02020603050405020304" pitchFamily="18" charset="0"/>
-                        <a:ea typeface="Calibri" panose="020F0502020204030204" pitchFamily="34" charset="0"/>
-                        <a:cs typeface="Times New Roman" panose="02020603050405020304" pitchFamily="18" charset="0"/>
-                      </a:endParaRPr>
-                    </a:p>
-                  </a:txBody>
-                  <a:tcPr marL="54720" marR="54720" marT="0" marB="0">
-                    <a:solidFill>
-                      <a:srgbClr val="197BC5"/>
-                    </a:solidFill>
-                  </a:tcPr>
-                </a:tc>
-                <a:tc>
-                  <a:txBody>
-                    <a:bodyPr/>
-                    <a:lstStyle/>
-                    <a:p>
-                      <a:pPr algn="l">
-                        <a:lnSpc>
-                          <a:spcPct val="100000"/>
-                        </a:lnSpc>
-                      </a:pPr>
-                      <a:r>
-                        <a:rPr lang="ru-RU" sz="3600" b="0" dirty="0">
-                          <a:solidFill>
-                            <a:schemeClr val="bg1"/>
-                          </a:solidFill>
-                          <a:effectLst/>
-                          <a:latin typeface="Times New Roman" panose="02020603050405020304" pitchFamily="18" charset="0"/>
-                          <a:cs typeface="Times New Roman" panose="02020603050405020304" pitchFamily="18" charset="0"/>
-                        </a:rPr>
-                        <a:t>Менеджеру складского учета доступно меню добавления нового товара. Необходимо сначала выбрать тип товара. Затем заполнить информацию о нем и добавить его в ИС.</a:t>
-                      </a:r>
-                      <a:endParaRPr lang="ru-RU" sz="3600" b="0" dirty="0">
-                        <a:solidFill>
-                          <a:schemeClr val="bg1"/>
-                        </a:solidFill>
-                        <a:effectLst/>
-                        <a:latin typeface="Times New Roman" panose="02020603050405020304" pitchFamily="18" charset="0"/>
-                        <a:ea typeface="Calibri" panose="020F0502020204030204" pitchFamily="34" charset="0"/>
-                        <a:cs typeface="Times New Roman" panose="02020603050405020304" pitchFamily="18" charset="0"/>
-                      </a:endParaRPr>
-                    </a:p>
-                  </a:txBody>
-                  <a:tcPr marL="54720" marR="54720" marT="0" marB="0">
-                    <a:solidFill>
-                      <a:srgbClr val="197BC5"/>
-                    </a:solidFill>
-                  </a:tcPr>
-                </a:tc>
-                <a:extLst>
-                  <a:ext uri="{0D108BD9-81ED-4DB2-BD59-A6C34878D82A}">
-                    <a16:rowId xmlns:a16="http://schemas.microsoft.com/office/drawing/2014/main" val="409142005"/>
-                  </a:ext>
-                </a:extLst>
-              </a:tr>
-            </a:tbl>
-          </a:graphicData>
-        </a:graphic>
-      </p:graphicFrame>
-    </p:spTree>
-    <p:extLst>
-      <p:ext uri="{BB962C8B-B14F-4D97-AF65-F5344CB8AC3E}">
-        <p14:creationId xmlns:p14="http://schemas.microsoft.com/office/powerpoint/2010/main" val="1557943348"/>
-      </p:ext>
-    </p:extLst>
-  </p:cSld>
-  <p:clrMapOvr>
-    <a:masterClrMapping/>
-  </p:clrMapOvr>
-</p:sld>
-</file>
-
-<file path=ppt/slides/slide5.xml><?xml version="1.0" encoding="utf-8"?>
-<p:sld xmlns:a="http://schemas.openxmlformats.org/drawingml/2006/main" xmlns:r="http://schemas.openxmlformats.org/officeDocument/2006/relationships" xmlns:p="http://schemas.openxmlformats.org/presentationml/2006/main">
-  <p:cSld>
-    <p:bg>
-      <p:bgPr>
-        <a:solidFill>
-          <a:srgbClr val="197BC5"/>
-        </a:solidFill>
-        <a:effectLst/>
-      </p:bgPr>
-    </p:bg>
-    <p:spTree>
-      <p:nvGrpSpPr>
-        <p:cNvPr id="1" name="">
-          <a:extLst>
-            <a:ext uri="{FF2B5EF4-FFF2-40B4-BE49-F238E27FC236}">
-              <a16:creationId xmlns:a16="http://schemas.microsoft.com/office/drawing/2014/main" id="{05476F12-3BA6-D2ED-3C06-7A804158E5B4}"/>
-            </a:ext>
-          </a:extLst>
-        </p:cNvPr>
-        <p:cNvGrpSpPr/>
-        <p:nvPr/>
-      </p:nvGrpSpPr>
-      <p:grpSpPr>
-        <a:xfrm>
-          <a:off x="0" y="0"/>
-          <a:ext cx="0" cy="0"/>
-          <a:chOff x="0" y="0"/>
-          <a:chExt cx="0" cy="0"/>
-        </a:xfrm>
-      </p:grpSpPr>
-      <p:sp>
-        <p:nvSpPr>
-          <p:cNvPr id="2" name="Заголовок 1">
-            <a:extLst>
-              <a:ext uri="{FF2B5EF4-FFF2-40B4-BE49-F238E27FC236}">
-                <a16:creationId xmlns:a16="http://schemas.microsoft.com/office/drawing/2014/main" id="{841F8339-B962-1388-CAF8-E8FE881270B5}"/>
-              </a:ext>
-            </a:extLst>
-          </p:cNvPr>
-          <p:cNvSpPr>
-            <a:spLocks noGrp="1"/>
-          </p:cNvSpPr>
-          <p:nvPr>
-            <p:ph type="ctrTitle"/>
-          </p:nvPr>
-        </p:nvSpPr>
-        <p:spPr>
-          <a:xfrm>
-            <a:off x="504824" y="12723"/>
-            <a:ext cx="11182349" cy="790574"/>
-          </a:xfrm>
-        </p:spPr>
-        <p:txBody>
-          <a:bodyPr>
-            <a:normAutofit/>
-          </a:bodyPr>
-          <a:lstStyle/>
-          <a:p>
-            <a:r>
-              <a:rPr lang="ru-RU" sz="3600" dirty="0">
-                <a:solidFill>
-                  <a:schemeClr val="bg1"/>
-                </a:solidFill>
-                <a:latin typeface="Times New Roman" panose="02020603050405020304" pitchFamily="18" charset="0"/>
-                <a:cs typeface="Times New Roman" panose="02020603050405020304" pitchFamily="18" charset="0"/>
-              </a:rPr>
-              <a:t>Функция 4</a:t>
-            </a:r>
-          </a:p>
-        </p:txBody>
-      </p:sp>
-      <p:graphicFrame>
-        <p:nvGraphicFramePr>
-          <p:cNvPr id="4" name="Таблица 3">
-            <a:extLst>
-              <a:ext uri="{FF2B5EF4-FFF2-40B4-BE49-F238E27FC236}">
-                <a16:creationId xmlns:a16="http://schemas.microsoft.com/office/drawing/2014/main" id="{7626A00D-D406-911A-66B9-FA485A689B26}"/>
-              </a:ext>
-            </a:extLst>
-          </p:cNvPr>
-          <p:cNvGraphicFramePr>
-            <a:graphicFrameLocks noGrp="1"/>
-          </p:cNvGraphicFramePr>
-          <p:nvPr/>
-        </p:nvGraphicFramePr>
-        <p:xfrm>
-          <a:off x="292894" y="1047751"/>
-          <a:ext cx="11606211" cy="4894283"/>
-        </p:xfrm>
-        <a:graphic>
-          <a:graphicData uri="http://schemas.openxmlformats.org/drawingml/2006/table">
-            <a:tbl>
-              <a:tblPr firstRow="1" firstCol="1" bandRow="1">
-                <a:tableStyleId>{5C22544A-7EE6-4342-B048-85BDC9FD1C3A}</a:tableStyleId>
-              </a:tblPr>
-              <a:tblGrid>
-                <a:gridCol w="3605212">
-                  <a:extLst>
-                    <a:ext uri="{9D8B030D-6E8A-4147-A177-3AD203B41FA5}">
-                      <a16:colId xmlns:a16="http://schemas.microsoft.com/office/drawing/2014/main" val="1852623876"/>
-                    </a:ext>
-                  </a:extLst>
-                </a:gridCol>
-                <a:gridCol w="8000999">
-                  <a:extLst>
-                    <a:ext uri="{9D8B030D-6E8A-4147-A177-3AD203B41FA5}">
-                      <a16:colId xmlns:a16="http://schemas.microsoft.com/office/drawing/2014/main" val="4047776616"/>
-                    </a:ext>
-                  </a:extLst>
-                </a:gridCol>
-              </a:tblGrid>
-              <a:tr h="790574">
-                <a:tc>
-                  <a:txBody>
-                    <a:bodyPr/>
-                    <a:lstStyle/>
-                    <a:p>
-                      <a:pPr algn="l">
-                        <a:lnSpc>
-                          <a:spcPct val="100000"/>
-                        </a:lnSpc>
-                      </a:pPr>
-                      <a:r>
-                        <a:rPr lang="ru-RU" sz="3600" b="0" dirty="0">
-                          <a:solidFill>
-                            <a:schemeClr val="bg1"/>
-                          </a:solidFill>
-                          <a:effectLst/>
-                          <a:latin typeface="Times New Roman" panose="02020603050405020304" pitchFamily="18" charset="0"/>
-                          <a:ea typeface="Calibri" panose="020F0502020204030204" pitchFamily="34" charset="0"/>
-                          <a:cs typeface="Times New Roman" panose="02020603050405020304" pitchFamily="18" charset="0"/>
-                        </a:rPr>
-                        <a:t>Название</a:t>
-                      </a:r>
-                    </a:p>
-                  </a:txBody>
-                  <a:tcPr marL="54720" marR="54720" marT="0" marB="0">
-                    <a:solidFill>
-                      <a:srgbClr val="197BC5"/>
-                    </a:solidFill>
-                  </a:tcPr>
-                </a:tc>
-                <a:tc>
-                  <a:txBody>
-                    <a:bodyPr/>
-                    <a:lstStyle/>
-                    <a:p>
-                      <a:pPr algn="l">
-                        <a:lnSpc>
-                          <a:spcPct val="100000"/>
-                        </a:lnSpc>
-                      </a:pPr>
-                      <a:r>
-                        <a:rPr lang="ru-RU" sz="3600" b="0" dirty="0">
-                          <a:solidFill>
-                            <a:schemeClr val="bg1"/>
-                          </a:solidFill>
-                          <a:effectLst/>
-                          <a:latin typeface="Times New Roman" panose="02020603050405020304" pitchFamily="18" charset="0"/>
-                          <a:ea typeface="Calibri" panose="020F0502020204030204" pitchFamily="34" charset="0"/>
-                          <a:cs typeface="Times New Roman" panose="02020603050405020304" pitchFamily="18" charset="0"/>
-                        </a:rPr>
-                        <a:t>Описание</a:t>
-                      </a:r>
-                    </a:p>
-                  </a:txBody>
-                  <a:tcPr marL="54720" marR="54720" marT="0" marB="0">
-                    <a:solidFill>
-                      <a:srgbClr val="197BC5"/>
-                    </a:solidFill>
-                  </a:tcPr>
-                </a:tc>
-                <a:extLst>
-                  <a:ext uri="{0D108BD9-81ED-4DB2-BD59-A6C34878D82A}">
-                    <a16:rowId xmlns:a16="http://schemas.microsoft.com/office/drawing/2014/main" val="1309979292"/>
-                  </a:ext>
-                </a:extLst>
-              </a:tr>
-              <a:tr h="4103709">
-                <a:tc>
-                  <a:txBody>
-                    <a:bodyPr/>
-                    <a:lstStyle/>
-                    <a:p>
-                      <a:pPr algn="l">
-                        <a:lnSpc>
-                          <a:spcPct val="100000"/>
-                        </a:lnSpc>
-                      </a:pPr>
-                      <a:r>
-                        <a:rPr lang="ru-RU" sz="3600" b="0" dirty="0">
-                          <a:solidFill>
-                            <a:schemeClr val="bg1"/>
-                          </a:solidFill>
-                          <a:effectLst/>
-                          <a:latin typeface="Times New Roman" panose="02020603050405020304" pitchFamily="18" charset="0"/>
-                          <a:cs typeface="Times New Roman" panose="02020603050405020304" pitchFamily="18" charset="0"/>
-                        </a:rPr>
-                        <a:t>Добавление новой партии поступившего на склад товара в ИС</a:t>
-                      </a:r>
-                      <a:endParaRPr lang="ru-RU" sz="3600" b="0" dirty="0">
-                        <a:solidFill>
-                          <a:schemeClr val="bg1"/>
-                        </a:solidFill>
-                        <a:effectLst/>
-                        <a:latin typeface="Times New Roman" panose="02020603050405020304" pitchFamily="18" charset="0"/>
-                        <a:ea typeface="Calibri" panose="020F0502020204030204" pitchFamily="34" charset="0"/>
-                        <a:cs typeface="Times New Roman" panose="02020603050405020304" pitchFamily="18" charset="0"/>
-                      </a:endParaRPr>
-                    </a:p>
-                  </a:txBody>
-                  <a:tcPr marL="54720" marR="54720" marT="0" marB="0">
-                    <a:solidFill>
-                      <a:srgbClr val="197BC5"/>
-                    </a:solidFill>
-                  </a:tcPr>
-                </a:tc>
-                <a:tc>
-                  <a:txBody>
-                    <a:bodyPr/>
-                    <a:lstStyle/>
-                    <a:p>
-                      <a:pPr algn="l">
-                        <a:lnSpc>
-                          <a:spcPct val="100000"/>
-                        </a:lnSpc>
-                      </a:pPr>
-                      <a:r>
-                        <a:rPr lang="ru-RU" sz="3600" b="0" dirty="0">
-                          <a:solidFill>
-                            <a:schemeClr val="bg1"/>
-                          </a:solidFill>
-                          <a:effectLst/>
-                          <a:latin typeface="Times New Roman" panose="02020603050405020304" pitchFamily="18" charset="0"/>
-                          <a:cs typeface="Times New Roman" panose="02020603050405020304" pitchFamily="18" charset="0"/>
-                        </a:rPr>
-                        <a:t>Менеджеру складского учета доступно меню добавления нового товара. Необходимо сначала выбрать тип товара. Затем заполнить информацию о нем и добавить его в ИС.</a:t>
+                        <a:t>В специальном окне отображается вся доступная информация о найденном ранее товаре.</a:t>
                       </a:r>
                       <a:endParaRPr lang="ru-RU" sz="3600" b="0" dirty="0">
                         <a:solidFill>
@@ -5884,11 +6350,17 @@
           <p:cNvGraphicFramePr>
             <a:graphicFrameLocks noGrp="1"/>
           </p:cNvGraphicFramePr>
-          <p:nvPr/>
+          <p:nvPr>
+            <p:extLst>
+              <p:ext uri="{D42A27DB-BD31-4B8C-83A1-F6EECF244321}">
+                <p14:modId xmlns:p14="http://schemas.microsoft.com/office/powerpoint/2010/main" val="2816391819"/>
+              </p:ext>
+            </p:extLst>
+          </p:nvPr>
         </p:nvGraphicFramePr>
         <p:xfrm>
           <a:off x="292894" y="1047751"/>
-          <a:ext cx="11606211" cy="4894283"/>
+          <a:ext cx="11606211" cy="2408135"/>
         </p:xfrm>
         <a:graphic>
           <a:graphicData uri="http://schemas.openxmlformats.org/drawingml/2006/table">
@@ -5912,7 +6384,7 @@
                   </a:extLst>
                 </a:gridCol>
               </a:tblGrid>
-              <a:tr h="790574">
+              <a:tr h="521754">
                 <a:tc>
                   <a:txBody>
                     <a:bodyPr/>
@@ -5979,7 +6451,7 @@
                   </a:ext>
                 </a:extLst>
               </a:tr>
-              <a:tr h="4103709">
+              <a:tr h="1859495">
                 <a:tc>
                   <a:txBody>
                     <a:bodyPr/>
@@ -5999,7 +6471,7 @@
                           <a:latin typeface="Times New Roman" panose="02020603050405020304" pitchFamily="18" charset="0"/>
                           <a:cs typeface="Times New Roman" panose="02020603050405020304" pitchFamily="18" charset="0"/>
                         </a:rPr>
-                        <a:t>Добавление новой партии поступившего на склад товара в ИС</a:t>
+                        <a:t>Добавление доступного товара в корзину</a:t>
                       </a:r>
                       <a:endParaRPr lang="ru-RU" sz="3600" b="0" dirty="0">
                         <a:solidFill>
@@ -6037,7 +6509,7 @@
                           <a:latin typeface="Times New Roman" panose="02020603050405020304" pitchFamily="18" charset="0"/>
                           <a:cs typeface="Times New Roman" panose="02020603050405020304" pitchFamily="18" charset="0"/>
                         </a:rPr>
-                        <a:t>Менеджеру складского учета доступно меню добавления нового товара. Необходимо сначала выбрать тип товара. Затем заполнить информацию о нем и добавить его в ИС.</a:t>
+                        <a:t>Продавец может добавить товар в корзину.</a:t>
                       </a:r>
                       <a:endParaRPr lang="ru-RU" sz="3600" b="0" dirty="0">
                         <a:solidFill>
@@ -6066,6 +6538,36 @@
           </a:graphicData>
         </a:graphic>
       </p:graphicFrame>
+      <p:pic>
+        <p:nvPicPr>
+          <p:cNvPr id="5" name="Рисунок 4">
+            <a:extLst>
+              <a:ext uri="{FF2B5EF4-FFF2-40B4-BE49-F238E27FC236}">
+                <a16:creationId xmlns:a16="http://schemas.microsoft.com/office/drawing/2014/main" id="{DBE3E9F4-00AC-12E1-0B5C-EC8AC625741D}"/>
+              </a:ext>
+            </a:extLst>
+          </p:cNvPr>
+          <p:cNvPicPr>
+            <a:picLocks noChangeAspect="1"/>
+          </p:cNvPicPr>
+          <p:nvPr/>
+        </p:nvPicPr>
+        <p:blipFill>
+          <a:blip r:embed="rId2"/>
+          <a:stretch>
+            <a:fillRect/>
+          </a:stretch>
+        </p:blipFill>
+        <p:spPr>
+          <a:xfrm>
+            <a:off x="2257272" y="3538982"/>
+            <a:ext cx="7677455" cy="3306295"/>
+          </a:xfrm>
+          <a:prstGeom prst="rect">
+            <a:avLst/>
+          </a:prstGeom>
+        </p:spPr>
+      </p:pic>
     </p:spTree>
     <p:extLst>
       <p:ext uri="{BB962C8B-B14F-4D97-AF65-F5344CB8AC3E}">
@@ -6163,11 +6665,17 @@
           <p:cNvGraphicFramePr>
             <a:graphicFrameLocks noGrp="1"/>
           </p:cNvGraphicFramePr>
-          <p:nvPr/>
+          <p:nvPr>
+            <p:extLst>
+              <p:ext uri="{D42A27DB-BD31-4B8C-83A1-F6EECF244321}">
+                <p14:modId xmlns:p14="http://schemas.microsoft.com/office/powerpoint/2010/main" val="2469880714"/>
+              </p:ext>
+            </p:extLst>
+          </p:nvPr>
         </p:nvGraphicFramePr>
         <p:xfrm>
           <a:off x="292894" y="1047751"/>
-          <a:ext cx="11606211" cy="4894283"/>
+          <a:ext cx="11606211" cy="3669104"/>
         </p:xfrm>
         <a:graphic>
           <a:graphicData uri="http://schemas.openxmlformats.org/drawingml/2006/table">
@@ -6191,7 +6699,7 @@
                   </a:extLst>
                 </a:gridCol>
               </a:tblGrid>
-              <a:tr h="790574">
+              <a:tr h="636624">
                 <a:tc>
                   <a:txBody>
                     <a:bodyPr/>
@@ -6258,7 +6766,7 @@
                   </a:ext>
                 </a:extLst>
               </a:tr>
-              <a:tr h="4103709">
+              <a:tr h="3032480">
                 <a:tc>
                   <a:txBody>
                     <a:bodyPr/>
@@ -6278,7 +6786,7 @@
                           <a:latin typeface="Times New Roman" panose="02020603050405020304" pitchFamily="18" charset="0"/>
                           <a:cs typeface="Times New Roman" panose="02020603050405020304" pitchFamily="18" charset="0"/>
                         </a:rPr>
-                        <a:t>Добавление новой партии поступившего на склад товара в ИС</a:t>
+                        <a:t>Оформление ФХЖ</a:t>
                       </a:r>
                       <a:endParaRPr lang="ru-RU" sz="3600" b="0" dirty="0">
                         <a:solidFill>
@@ -6316,7 +6824,7 @@
                           <a:latin typeface="Times New Roman" panose="02020603050405020304" pitchFamily="18" charset="0"/>
                           <a:cs typeface="Times New Roman" panose="02020603050405020304" pitchFamily="18" charset="0"/>
                         </a:rPr>
-                        <a:t>Менеджеру складского учета доступно меню добавления нового товара. Необходимо сначала выбрать тип товара. Затем заполнить информацию о нем и добавить его в ИС.</a:t>
+                        <a:t>Продавцу доступна кнопка оформления ФХЖ. При нажатии ИС запрашивает оплату. При успешной оплате продажа осуществляется.</a:t>
                       </a:r>
                       <a:endParaRPr lang="ru-RU" sz="3600" b="0" dirty="0">
                         <a:solidFill>
@@ -6442,11 +6950,17 @@
           <p:cNvGraphicFramePr>
             <a:graphicFrameLocks noGrp="1"/>
           </p:cNvGraphicFramePr>
-          <p:nvPr/>
+          <p:nvPr>
+            <p:extLst>
+              <p:ext uri="{D42A27DB-BD31-4B8C-83A1-F6EECF244321}">
+                <p14:modId xmlns:p14="http://schemas.microsoft.com/office/powerpoint/2010/main" val="3696288404"/>
+              </p:ext>
+            </p:extLst>
+          </p:nvPr>
         </p:nvGraphicFramePr>
         <p:xfrm>
-          <a:off x="292894" y="1047751"/>
-          <a:ext cx="11606211" cy="4894283"/>
+          <a:off x="292894" y="1047752"/>
+          <a:ext cx="11606211" cy="3002607"/>
         </p:xfrm>
         <a:graphic>
           <a:graphicData uri="http://schemas.openxmlformats.org/drawingml/2006/table">
@@ -6470,7 +6984,7 @@
                   </a:extLst>
                 </a:gridCol>
               </a:tblGrid>
-              <a:tr h="790574">
+              <a:tr h="472753">
                 <a:tc>
                   <a:txBody>
                     <a:bodyPr/>
@@ -6537,7 +7051,7 @@
                   </a:ext>
                 </a:extLst>
               </a:tr>
-              <a:tr h="4103709">
+              <a:tr h="2453967">
                 <a:tc>
                   <a:txBody>
                     <a:bodyPr/>
@@ -6557,7 +7071,7 @@
                           <a:latin typeface="Times New Roman" panose="02020603050405020304" pitchFamily="18" charset="0"/>
                           <a:cs typeface="Times New Roman" panose="02020603050405020304" pitchFamily="18" charset="0"/>
                         </a:rPr>
-                        <a:t>Добавление новой партии поступившего на склад товара в ИС</a:t>
+                        <a:t>Проведение оплаты</a:t>
                       </a:r>
                       <a:endParaRPr lang="ru-RU" sz="3600" b="0" dirty="0">
                         <a:solidFill>
@@ -6595,7 +7109,7 @@
                           <a:latin typeface="Times New Roman" panose="02020603050405020304" pitchFamily="18" charset="0"/>
                           <a:cs typeface="Times New Roman" panose="02020603050405020304" pitchFamily="18" charset="0"/>
                         </a:rPr>
-                        <a:t>Менеджеру складского учета доступно меню добавления нового товара. Необходимо сначала выбрать тип товара. Затем заполнить информацию о нем и добавить его в ИС.</a:t>
+                        <a:t>Клиент может провести оплату двумя способами: наличными средствами и с помощью банковской карты.</a:t>
                       </a:r>
                       <a:endParaRPr lang="ru-RU" sz="3600" b="0" dirty="0">
                         <a:solidFill>
@@ -6721,11 +7235,17 @@
           <p:cNvGraphicFramePr>
             <a:graphicFrameLocks noGrp="1"/>
           </p:cNvGraphicFramePr>
-          <p:nvPr/>
+          <p:nvPr>
+            <p:extLst>
+              <p:ext uri="{D42A27DB-BD31-4B8C-83A1-F6EECF244321}">
+                <p14:modId xmlns:p14="http://schemas.microsoft.com/office/powerpoint/2010/main" val="2775859359"/>
+              </p:ext>
+            </p:extLst>
+          </p:nvPr>
         </p:nvGraphicFramePr>
         <p:xfrm>
           <a:off x="292894" y="1047751"/>
-          <a:ext cx="11606211" cy="4894283"/>
+          <a:ext cx="11606211" cy="2736920"/>
         </p:xfrm>
         <a:graphic>
           <a:graphicData uri="http://schemas.openxmlformats.org/drawingml/2006/table">
@@ -6749,7 +7269,7 @@
                   </a:extLst>
                 </a:gridCol>
               </a:tblGrid>
-              <a:tr h="790574">
+              <a:tr h="421569">
                 <a:tc>
                   <a:txBody>
                     <a:bodyPr/>
@@ -6816,7 +7336,7 @@
                   </a:ext>
                 </a:extLst>
               </a:tr>
-              <a:tr h="4103709">
+              <a:tr h="2188280">
                 <a:tc>
                   <a:txBody>
                     <a:bodyPr/>
@@ -6836,7 +7356,7 @@
                           <a:latin typeface="Times New Roman" panose="02020603050405020304" pitchFamily="18" charset="0"/>
                           <a:cs typeface="Times New Roman" panose="02020603050405020304" pitchFamily="18" charset="0"/>
                         </a:rPr>
-                        <a:t>Добавление новой партии поступившего на склад товара в ИС</a:t>
+                        <a:t>Получение расчетных значений</a:t>
                       </a:r>
                       <a:endParaRPr lang="ru-RU" sz="3600" b="0" dirty="0">
                         <a:solidFill>
@@ -6874,7 +7394,7 @@
                           <a:latin typeface="Times New Roman" panose="02020603050405020304" pitchFamily="18" charset="0"/>
                           <a:cs typeface="Times New Roman" panose="02020603050405020304" pitchFamily="18" charset="0"/>
                         </a:rPr>
-                        <a:t>Менеджеру складского учета доступно меню добавления нового товара. Необходимо сначала выбрать тип товара. Затем заполнить информацию о нем и добавить его в ИС.</a:t>
+                        <a:t>ИС автоматически подсчитывает сумму стоимости товара, находящегося в корзине.</a:t>
                       </a:r>
                       <a:endParaRPr lang="ru-RU" sz="3600" b="0" dirty="0">
                         <a:solidFill>

--- a/OuterData/presentation.pptx
+++ b/OuterData/presentation.pptx
@@ -142,6 +142,9 @@
         </p14:section>
       </p14:sectionLst>
     </p:ext>
+    <p:ext uri="{EFAFB233-063F-42B5-8137-9DF3F51BA10A}">
+      <p15:sldGuideLst xmlns:p15="http://schemas.microsoft.com/office/powerpoint/2012/main"/>
+    </p:ext>
   </p:extLst>
 </p:presentation>
 </file>
@@ -293,7 +296,7 @@
           <a:p>
             <a:fld id="{2260AE4E-DD20-4E50-AF30-C2F3B359971E}" type="datetimeFigureOut">
               <a:rPr lang="ru-RU" smtClean="0"/>
-              <a:t>10.10.2024</a:t>
+              <a:t>22.10.2024</a:t>
             </a:fld>
             <a:endParaRPr lang="ru-RU"/>
           </a:p>
@@ -491,7 +494,7 @@
           <a:p>
             <a:fld id="{2260AE4E-DD20-4E50-AF30-C2F3B359971E}" type="datetimeFigureOut">
               <a:rPr lang="ru-RU" smtClean="0"/>
-              <a:t>10.10.2024</a:t>
+              <a:t>22.10.2024</a:t>
             </a:fld>
             <a:endParaRPr lang="ru-RU"/>
           </a:p>
@@ -699,7 +702,7 @@
           <a:p>
             <a:fld id="{2260AE4E-DD20-4E50-AF30-C2F3B359971E}" type="datetimeFigureOut">
               <a:rPr lang="ru-RU" smtClean="0"/>
-              <a:t>10.10.2024</a:t>
+              <a:t>22.10.2024</a:t>
             </a:fld>
             <a:endParaRPr lang="ru-RU"/>
           </a:p>
@@ -897,7 +900,7 @@
           <a:p>
             <a:fld id="{2260AE4E-DD20-4E50-AF30-C2F3B359971E}" type="datetimeFigureOut">
               <a:rPr lang="ru-RU" smtClean="0"/>
-              <a:t>10.10.2024</a:t>
+              <a:t>22.10.2024</a:t>
             </a:fld>
             <a:endParaRPr lang="ru-RU"/>
           </a:p>
@@ -1172,7 +1175,7 @@
           <a:p>
             <a:fld id="{2260AE4E-DD20-4E50-AF30-C2F3B359971E}" type="datetimeFigureOut">
               <a:rPr lang="ru-RU" smtClean="0"/>
-              <a:t>10.10.2024</a:t>
+              <a:t>22.10.2024</a:t>
             </a:fld>
             <a:endParaRPr lang="ru-RU"/>
           </a:p>
@@ -1437,7 +1440,7 @@
           <a:p>
             <a:fld id="{2260AE4E-DD20-4E50-AF30-C2F3B359971E}" type="datetimeFigureOut">
               <a:rPr lang="ru-RU" smtClean="0"/>
-              <a:t>10.10.2024</a:t>
+              <a:t>22.10.2024</a:t>
             </a:fld>
             <a:endParaRPr lang="ru-RU"/>
           </a:p>
@@ -1849,7 +1852,7 @@
           <a:p>
             <a:fld id="{2260AE4E-DD20-4E50-AF30-C2F3B359971E}" type="datetimeFigureOut">
               <a:rPr lang="ru-RU" smtClean="0"/>
-              <a:t>10.10.2024</a:t>
+              <a:t>22.10.2024</a:t>
             </a:fld>
             <a:endParaRPr lang="ru-RU"/>
           </a:p>
@@ -1990,7 +1993,7 @@
           <a:p>
             <a:fld id="{2260AE4E-DD20-4E50-AF30-C2F3B359971E}" type="datetimeFigureOut">
               <a:rPr lang="ru-RU" smtClean="0"/>
-              <a:t>10.10.2024</a:t>
+              <a:t>22.10.2024</a:t>
             </a:fld>
             <a:endParaRPr lang="ru-RU"/>
           </a:p>
@@ -2103,7 +2106,7 @@
           <a:p>
             <a:fld id="{2260AE4E-DD20-4E50-AF30-C2F3B359971E}" type="datetimeFigureOut">
               <a:rPr lang="ru-RU" smtClean="0"/>
-              <a:t>10.10.2024</a:t>
+              <a:t>22.10.2024</a:t>
             </a:fld>
             <a:endParaRPr lang="ru-RU"/>
           </a:p>
@@ -2414,7 +2417,7 @@
           <a:p>
             <a:fld id="{2260AE4E-DD20-4E50-AF30-C2F3B359971E}" type="datetimeFigureOut">
               <a:rPr lang="ru-RU" smtClean="0"/>
-              <a:t>10.10.2024</a:t>
+              <a:t>22.10.2024</a:t>
             </a:fld>
             <a:endParaRPr lang="ru-RU"/>
           </a:p>
@@ -2702,7 +2705,7 @@
           <a:p>
             <a:fld id="{2260AE4E-DD20-4E50-AF30-C2F3B359971E}" type="datetimeFigureOut">
               <a:rPr lang="ru-RU" smtClean="0"/>
-              <a:t>10.10.2024</a:t>
+              <a:t>22.10.2024</a:t>
             </a:fld>
             <a:endParaRPr lang="ru-RU"/>
           </a:p>
@@ -2943,7 +2946,7 @@
           <a:p>
             <a:fld id="{2260AE4E-DD20-4E50-AF30-C2F3B359971E}" type="datetimeFigureOut">
               <a:rPr lang="ru-RU" smtClean="0"/>
-              <a:t>10.10.2024</a:t>
+              <a:t>22.10.2024</a:t>
             </a:fld>
             <a:endParaRPr lang="ru-RU"/>
           </a:p>
@@ -4408,36 +4411,6 @@
           </a:graphicData>
         </a:graphic>
       </p:graphicFrame>
-      <p:pic>
-        <p:nvPicPr>
-          <p:cNvPr id="5" name="Рисунок 4">
-            <a:extLst>
-              <a:ext uri="{FF2B5EF4-FFF2-40B4-BE49-F238E27FC236}">
-                <a16:creationId xmlns:a16="http://schemas.microsoft.com/office/drawing/2014/main" id="{CB694249-F0B9-2F4C-AD17-653A80B20925}"/>
-              </a:ext>
-            </a:extLst>
-          </p:cNvPr>
-          <p:cNvPicPr>
-            <a:picLocks noChangeAspect="1"/>
-          </p:cNvPicPr>
-          <p:nvPr/>
-        </p:nvPicPr>
-        <p:blipFill>
-          <a:blip r:embed="rId2"/>
-          <a:stretch>
-            <a:fillRect/>
-          </a:stretch>
-        </p:blipFill>
-        <p:spPr>
-          <a:xfrm>
-            <a:off x="4327557" y="3560969"/>
-            <a:ext cx="3218241" cy="3206496"/>
-          </a:xfrm>
-          <a:prstGeom prst="rect">
-            <a:avLst/>
-          </a:prstGeom>
-        </p:spPr>
-      </p:pic>
     </p:spTree>
     <p:extLst>
       <p:ext uri="{BB962C8B-B14F-4D97-AF65-F5344CB8AC3E}">

--- a/OuterData/presentation.pptx
+++ b/OuterData/presentation.pptx
@@ -296,7 +296,7 @@
           <a:p>
             <a:fld id="{2260AE4E-DD20-4E50-AF30-C2F3B359971E}" type="datetimeFigureOut">
               <a:rPr lang="ru-RU" smtClean="0"/>
-              <a:t>22.10.2024</a:t>
+              <a:t>24.10.2024</a:t>
             </a:fld>
             <a:endParaRPr lang="ru-RU"/>
           </a:p>
@@ -494,7 +494,7 @@
           <a:p>
             <a:fld id="{2260AE4E-DD20-4E50-AF30-C2F3B359971E}" type="datetimeFigureOut">
               <a:rPr lang="ru-RU" smtClean="0"/>
-              <a:t>22.10.2024</a:t>
+              <a:t>24.10.2024</a:t>
             </a:fld>
             <a:endParaRPr lang="ru-RU"/>
           </a:p>
@@ -702,7 +702,7 @@
           <a:p>
             <a:fld id="{2260AE4E-DD20-4E50-AF30-C2F3B359971E}" type="datetimeFigureOut">
               <a:rPr lang="ru-RU" smtClean="0"/>
-              <a:t>22.10.2024</a:t>
+              <a:t>24.10.2024</a:t>
             </a:fld>
             <a:endParaRPr lang="ru-RU"/>
           </a:p>
@@ -900,7 +900,7 @@
           <a:p>
             <a:fld id="{2260AE4E-DD20-4E50-AF30-C2F3B359971E}" type="datetimeFigureOut">
               <a:rPr lang="ru-RU" smtClean="0"/>
-              <a:t>22.10.2024</a:t>
+              <a:t>24.10.2024</a:t>
             </a:fld>
             <a:endParaRPr lang="ru-RU"/>
           </a:p>
@@ -1175,7 +1175,7 @@
           <a:p>
             <a:fld id="{2260AE4E-DD20-4E50-AF30-C2F3B359971E}" type="datetimeFigureOut">
               <a:rPr lang="ru-RU" smtClean="0"/>
-              <a:t>22.10.2024</a:t>
+              <a:t>24.10.2024</a:t>
             </a:fld>
             <a:endParaRPr lang="ru-RU"/>
           </a:p>
@@ -1440,7 +1440,7 @@
           <a:p>
             <a:fld id="{2260AE4E-DD20-4E50-AF30-C2F3B359971E}" type="datetimeFigureOut">
               <a:rPr lang="ru-RU" smtClean="0"/>
-              <a:t>22.10.2024</a:t>
+              <a:t>24.10.2024</a:t>
             </a:fld>
             <a:endParaRPr lang="ru-RU"/>
           </a:p>
@@ -1852,7 +1852,7 @@
           <a:p>
             <a:fld id="{2260AE4E-DD20-4E50-AF30-C2F3B359971E}" type="datetimeFigureOut">
               <a:rPr lang="ru-RU" smtClean="0"/>
-              <a:t>22.10.2024</a:t>
+              <a:t>24.10.2024</a:t>
             </a:fld>
             <a:endParaRPr lang="ru-RU"/>
           </a:p>
@@ -1993,7 +1993,7 @@
           <a:p>
             <a:fld id="{2260AE4E-DD20-4E50-AF30-C2F3B359971E}" type="datetimeFigureOut">
               <a:rPr lang="ru-RU" smtClean="0"/>
-              <a:t>22.10.2024</a:t>
+              <a:t>24.10.2024</a:t>
             </a:fld>
             <a:endParaRPr lang="ru-RU"/>
           </a:p>
@@ -2106,7 +2106,7 @@
           <a:p>
             <a:fld id="{2260AE4E-DD20-4E50-AF30-C2F3B359971E}" type="datetimeFigureOut">
               <a:rPr lang="ru-RU" smtClean="0"/>
-              <a:t>22.10.2024</a:t>
+              <a:t>24.10.2024</a:t>
             </a:fld>
             <a:endParaRPr lang="ru-RU"/>
           </a:p>
@@ -2417,7 +2417,7 @@
           <a:p>
             <a:fld id="{2260AE4E-DD20-4E50-AF30-C2F3B359971E}" type="datetimeFigureOut">
               <a:rPr lang="ru-RU" smtClean="0"/>
-              <a:t>22.10.2024</a:t>
+              <a:t>24.10.2024</a:t>
             </a:fld>
             <a:endParaRPr lang="ru-RU"/>
           </a:p>
@@ -2705,7 +2705,7 @@
           <a:p>
             <a:fld id="{2260AE4E-DD20-4E50-AF30-C2F3B359971E}" type="datetimeFigureOut">
               <a:rPr lang="ru-RU" smtClean="0"/>
-              <a:t>22.10.2024</a:t>
+              <a:t>24.10.2024</a:t>
             </a:fld>
             <a:endParaRPr lang="ru-RU"/>
           </a:p>
@@ -2946,7 +2946,7 @@
           <a:p>
             <a:fld id="{2260AE4E-DD20-4E50-AF30-C2F3B359971E}" type="datetimeFigureOut">
               <a:rPr lang="ru-RU" smtClean="0"/>
-              <a:t>22.10.2024</a:t>
+              <a:t>24.10.2024</a:t>
             </a:fld>
             <a:endParaRPr lang="ru-RU"/>
           </a:p>
@@ -6041,7 +6041,7 @@
           <p:nvPr>
             <p:extLst>
               <p:ext uri="{D42A27DB-BD31-4B8C-83A1-F6EECF244321}">
-                <p14:modId xmlns:p14="http://schemas.microsoft.com/office/powerpoint/2010/main" val="4001783244"/>
+                <p14:modId xmlns:p14="http://schemas.microsoft.com/office/powerpoint/2010/main" val="4110490914"/>
               </p:ext>
             </p:extLst>
           </p:nvPr>
@@ -6159,7 +6159,51 @@
                           <a:latin typeface="Times New Roman" panose="02020603050405020304" pitchFamily="18" charset="0"/>
                           <a:cs typeface="Times New Roman" panose="02020603050405020304" pitchFamily="18" charset="0"/>
                         </a:rPr>
-                        <a:t>Вывод баннера с полным описанием товара</a:t>
+                        <a:t>Вывод </a:t>
+                      </a:r>
+                      <a:r>
+                        <a:rPr lang="ru-RU" sz="3600" b="0" dirty="0" smtClean="0">
+                          <a:solidFill>
+                            <a:schemeClr val="bg1"/>
+                          </a:solidFill>
+                          <a:effectLst/>
+                          <a:latin typeface="Times New Roman" panose="02020603050405020304" pitchFamily="18" charset="0"/>
+                          <a:cs typeface="Times New Roman" panose="02020603050405020304" pitchFamily="18" charset="0"/>
+                        </a:rPr>
+                        <a:t>карточки</a:t>
+                      </a:r>
+                      <a:r>
+                        <a:rPr lang="ru-RU" sz="3600" b="0" baseline="0" dirty="0" smtClean="0">
+                          <a:solidFill>
+                            <a:schemeClr val="bg1"/>
+                          </a:solidFill>
+                          <a:effectLst/>
+                          <a:latin typeface="Times New Roman" panose="02020603050405020304" pitchFamily="18" charset="0"/>
+                          <a:cs typeface="Times New Roman" panose="02020603050405020304" pitchFamily="18" charset="0"/>
+                        </a:rPr>
+                        <a:t> </a:t>
+                      </a:r>
+                      <a:r>
+                        <a:rPr lang="ru-RU" sz="3600" b="0" dirty="0" smtClean="0">
+                          <a:solidFill>
+                            <a:schemeClr val="bg1"/>
+                          </a:solidFill>
+                          <a:effectLst/>
+                          <a:latin typeface="Times New Roman" panose="02020603050405020304" pitchFamily="18" charset="0"/>
+                          <a:cs typeface="Times New Roman" panose="02020603050405020304" pitchFamily="18" charset="0"/>
+                        </a:rPr>
+                        <a:t>с </a:t>
+                      </a:r>
+                      <a:r>
+                        <a:rPr lang="ru-RU" sz="3600" b="0" dirty="0">
+                          <a:solidFill>
+                            <a:schemeClr val="bg1"/>
+                          </a:solidFill>
+                          <a:effectLst/>
+                          <a:latin typeface="Times New Roman" panose="02020603050405020304" pitchFamily="18" charset="0"/>
+                          <a:cs typeface="Times New Roman" panose="02020603050405020304" pitchFamily="18" charset="0"/>
+                        </a:rPr>
+                        <a:t>полным описанием товара</a:t>
                       </a:r>
                       <a:endParaRPr lang="ru-RU" sz="3600" b="0" dirty="0">
                         <a:solidFill>
